--- a/TCC/modelo-2018-banner.pptx
+++ b/TCC/modelo-2018-banner.pptx
@@ -255,7 +255,7 @@
           <a:p>
             <a:fld id="{32FB3365-1F2F-473C-8C56-F70E7715BDEB}" type="datetimeFigureOut">
               <a:rPr lang="pt-BR" smtClean="0"/>
-              <a:t>22/11/2018</a:t>
+              <a:t>26/11/2018</a:t>
             </a:fld>
             <a:endParaRPr lang="pt-BR"/>
           </a:p>
@@ -425,7 +425,7 @@
           <a:p>
             <a:fld id="{32FB3365-1F2F-473C-8C56-F70E7715BDEB}" type="datetimeFigureOut">
               <a:rPr lang="pt-BR" smtClean="0"/>
-              <a:t>22/11/2018</a:t>
+              <a:t>26/11/2018</a:t>
             </a:fld>
             <a:endParaRPr lang="pt-BR"/>
           </a:p>
@@ -605,7 +605,7 @@
           <a:p>
             <a:fld id="{32FB3365-1F2F-473C-8C56-F70E7715BDEB}" type="datetimeFigureOut">
               <a:rPr lang="pt-BR" smtClean="0"/>
-              <a:t>22/11/2018</a:t>
+              <a:t>26/11/2018</a:t>
             </a:fld>
             <a:endParaRPr lang="pt-BR"/>
           </a:p>
@@ -775,7 +775,7 @@
           <a:p>
             <a:fld id="{32FB3365-1F2F-473C-8C56-F70E7715BDEB}" type="datetimeFigureOut">
               <a:rPr lang="pt-BR" smtClean="0"/>
-              <a:t>22/11/2018</a:t>
+              <a:t>26/11/2018</a:t>
             </a:fld>
             <a:endParaRPr lang="pt-BR"/>
           </a:p>
@@ -1019,7 +1019,7 @@
           <a:p>
             <a:fld id="{32FB3365-1F2F-473C-8C56-F70E7715BDEB}" type="datetimeFigureOut">
               <a:rPr lang="pt-BR" smtClean="0"/>
-              <a:t>22/11/2018</a:t>
+              <a:t>26/11/2018</a:t>
             </a:fld>
             <a:endParaRPr lang="pt-BR"/>
           </a:p>
@@ -1251,7 +1251,7 @@
           <a:p>
             <a:fld id="{32FB3365-1F2F-473C-8C56-F70E7715BDEB}" type="datetimeFigureOut">
               <a:rPr lang="pt-BR" smtClean="0"/>
-              <a:t>22/11/2018</a:t>
+              <a:t>26/11/2018</a:t>
             </a:fld>
             <a:endParaRPr lang="pt-BR"/>
           </a:p>
@@ -1618,7 +1618,7 @@
           <a:p>
             <a:fld id="{32FB3365-1F2F-473C-8C56-F70E7715BDEB}" type="datetimeFigureOut">
               <a:rPr lang="pt-BR" smtClean="0"/>
-              <a:t>22/11/2018</a:t>
+              <a:t>26/11/2018</a:t>
             </a:fld>
             <a:endParaRPr lang="pt-BR"/>
           </a:p>
@@ -1736,7 +1736,7 @@
           <a:p>
             <a:fld id="{32FB3365-1F2F-473C-8C56-F70E7715BDEB}" type="datetimeFigureOut">
               <a:rPr lang="pt-BR" smtClean="0"/>
-              <a:t>22/11/2018</a:t>
+              <a:t>26/11/2018</a:t>
             </a:fld>
             <a:endParaRPr lang="pt-BR"/>
           </a:p>
@@ -1831,7 +1831,7 @@
           <a:p>
             <a:fld id="{32FB3365-1F2F-473C-8C56-F70E7715BDEB}" type="datetimeFigureOut">
               <a:rPr lang="pt-BR" smtClean="0"/>
-              <a:t>22/11/2018</a:t>
+              <a:t>26/11/2018</a:t>
             </a:fld>
             <a:endParaRPr lang="pt-BR"/>
           </a:p>
@@ -2108,7 +2108,7 @@
           <a:p>
             <a:fld id="{32FB3365-1F2F-473C-8C56-F70E7715BDEB}" type="datetimeFigureOut">
               <a:rPr lang="pt-BR" smtClean="0"/>
-              <a:t>22/11/2018</a:t>
+              <a:t>26/11/2018</a:t>
             </a:fld>
             <a:endParaRPr lang="pt-BR"/>
           </a:p>
@@ -2365,7 +2365,7 @@
           <a:p>
             <a:fld id="{32FB3365-1F2F-473C-8C56-F70E7715BDEB}" type="datetimeFigureOut">
               <a:rPr lang="pt-BR" smtClean="0"/>
-              <a:t>22/11/2018</a:t>
+              <a:t>26/11/2018</a:t>
             </a:fld>
             <a:endParaRPr lang="pt-BR"/>
           </a:p>
@@ -2578,7 +2578,7 @@
           <a:p>
             <a:fld id="{32FB3365-1F2F-473C-8C56-F70E7715BDEB}" type="datetimeFigureOut">
               <a:rPr lang="pt-BR" smtClean="0"/>
-              <a:t>22/11/2018</a:t>
+              <a:t>26/11/2018</a:t>
             </a:fld>
             <a:endParaRPr lang="pt-BR"/>
           </a:p>
@@ -2988,7 +2988,7 @@
           <p:cNvPr id="4" name="Retângulo 3">
             <a:extLst>
               <a:ext uri="{FF2B5EF4-FFF2-40B4-BE49-F238E27FC236}">
-                <a16:creationId xmlns="" xmlns:a16="http://schemas.microsoft.com/office/drawing/2014/main" id="{39DCB7D7-3FF1-4856-8862-0AA1F4F91742}"/>
+                <a16:creationId xmlns:a16="http://schemas.microsoft.com/office/drawing/2014/main" xmlns="" id="{39DCB7D7-3FF1-4856-8862-0AA1F4F91742}"/>
               </a:ext>
             </a:extLst>
           </p:cNvPr>
@@ -3040,7 +3040,7 @@
           <p:cNvPr id="7" name="Retângulo 6">
             <a:extLst>
               <a:ext uri="{FF2B5EF4-FFF2-40B4-BE49-F238E27FC236}">
-                <a16:creationId xmlns="" xmlns:a16="http://schemas.microsoft.com/office/drawing/2014/main" id="{2024F9A0-BAB0-4C44-9C9E-8E774C876D9B}"/>
+                <a16:creationId xmlns:a16="http://schemas.microsoft.com/office/drawing/2014/main" xmlns="" id="{2024F9A0-BAB0-4C44-9C9E-8E774C876D9B}"/>
               </a:ext>
             </a:extLst>
           </p:cNvPr>
@@ -3094,7 +3094,7 @@
           <p:cNvPr id="8" name="CaixaDeTexto 7">
             <a:extLst>
               <a:ext uri="{FF2B5EF4-FFF2-40B4-BE49-F238E27FC236}">
-                <a16:creationId xmlns="" xmlns:a16="http://schemas.microsoft.com/office/drawing/2014/main" id="{FA00FA2A-FC08-43BA-B3E2-DB36E6DB3BF6}"/>
+                <a16:creationId xmlns:a16="http://schemas.microsoft.com/office/drawing/2014/main" xmlns="" id="{FA00FA2A-FC08-43BA-B3E2-DB36E6DB3BF6}"/>
               </a:ext>
             </a:extLst>
           </p:cNvPr>
@@ -3104,7 +3104,7 @@
         <p:spPr>
           <a:xfrm>
             <a:off x="1319142" y="8572735"/>
-            <a:ext cx="13370885" cy="6184642"/>
+            <a:ext cx="13370885" cy="5722977"/>
           </a:xfrm>
           <a:prstGeom prst="rect">
             <a:avLst/>
@@ -3123,7 +3123,7 @@
                 <a:solidFill>
                   <a:srgbClr val="C00000"/>
                 </a:solidFill>
-                <a:latin typeface="Arial" panose="020B0604020202020204" pitchFamily="34" charset="0"/>
+                <a:latin typeface="Heveltica Bold"/>
                 <a:cs typeface="Arial" panose="020B0604020202020204" pitchFamily="34" charset="0"/>
               </a:rPr>
               <a:t>Introdução</a:t>
@@ -3132,38 +3132,50 @@
               <a:solidFill>
                 <a:srgbClr val="C00000"/>
               </a:solidFill>
-              <a:latin typeface="Arial" panose="020B0604020202020204" pitchFamily="34" charset="0"/>
+              <a:latin typeface="Heveltica Bold"/>
               <a:cs typeface="Arial" panose="020B0604020202020204" pitchFamily="34" charset="0"/>
             </a:endParaRPr>
           </a:p>
           <a:p>
             <a:pPr algn="just"/>
             <a:r>
-              <a:rPr lang="pt-BR" sz="6600" dirty="0"/>
+              <a:rPr lang="pt-BR" sz="6000" dirty="0">
+                <a:latin typeface="Heveltica Bold"/>
+              </a:rPr>
               <a:t>O </a:t>
             </a:r>
             <a:r>
-              <a:rPr lang="pt-BR" sz="6600" dirty="0" err="1"/>
+              <a:rPr lang="pt-BR" sz="6000" dirty="0" err="1">
+                <a:latin typeface="Heveltica Bold"/>
+              </a:rPr>
               <a:t>EasySell</a:t>
             </a:r>
             <a:r>
-              <a:rPr lang="pt-BR" sz="6600" dirty="0"/>
+              <a:rPr lang="pt-BR" sz="6000" dirty="0">
+                <a:latin typeface="Heveltica Bold"/>
+              </a:rPr>
               <a:t> é o sistema que permite aos vendedores, e gerentes de equipes, administrar </a:t>
             </a:r>
             <a:r>
-              <a:rPr lang="pt-BR" sz="6600" dirty="0" smtClean="0"/>
+              <a:rPr lang="pt-BR" sz="6000" dirty="0" smtClean="0">
+                <a:latin typeface="Heveltica Bold"/>
+              </a:rPr>
               <a:t>de forma eficiente </a:t>
             </a:r>
             <a:r>
-              <a:rPr lang="pt-BR" sz="6600" dirty="0"/>
+              <a:rPr lang="pt-BR" sz="6000" dirty="0">
+                <a:latin typeface="Heveltica Bold"/>
+              </a:rPr>
               <a:t>as vendas e a gerir os </a:t>
             </a:r>
             <a:r>
-              <a:rPr lang="pt-BR" sz="6600" dirty="0" smtClean="0"/>
+              <a:rPr lang="pt-BR" sz="6000" dirty="0" smtClean="0">
+                <a:latin typeface="Heveltica Bold"/>
+              </a:rPr>
               <a:t>produtos disponíveis.</a:t>
             </a:r>
-            <a:endParaRPr lang="en-US" sz="6589" dirty="0">
-              <a:latin typeface="Arial" panose="020B0604020202020204" pitchFamily="34" charset="0"/>
+            <a:endParaRPr lang="en-US" sz="6000" dirty="0">
+              <a:latin typeface="Heveltica Bold"/>
               <a:cs typeface="Arial" panose="020B0604020202020204" pitchFamily="34" charset="0"/>
             </a:endParaRPr>
           </a:p>
@@ -3174,7 +3186,7 @@
           <p:cNvPr id="10" name="CaixaDeTexto 9">
             <a:extLst>
               <a:ext uri="{FF2B5EF4-FFF2-40B4-BE49-F238E27FC236}">
-                <a16:creationId xmlns="" xmlns:a16="http://schemas.microsoft.com/office/drawing/2014/main" id="{BA1904DB-C48C-47B2-8776-127F9BED15EF}"/>
+                <a16:creationId xmlns:a16="http://schemas.microsoft.com/office/drawing/2014/main" xmlns="" id="{BA1904DB-C48C-47B2-8776-127F9BED15EF}"/>
               </a:ext>
             </a:extLst>
           </p:cNvPr>
@@ -3184,7 +3196,7 @@
         <p:spPr>
           <a:xfrm>
             <a:off x="16792708" y="8504798"/>
-            <a:ext cx="13370885" cy="6176306"/>
+            <a:ext cx="13370885" cy="5722977"/>
           </a:xfrm>
           <a:prstGeom prst="rect">
             <a:avLst/>
@@ -3199,269 +3211,280 @@
           <a:p>
             <a:pPr algn="just"/>
             <a:r>
-              <a:rPr lang="en-US" sz="6589" b="1" dirty="0" err="1">
-                <a:solidFill>
-                  <a:srgbClr val="C00000"/>
-                </a:solidFill>
-                <a:latin typeface="Arial" panose="020B0604020202020204" pitchFamily="34" charset="0"/>
-                <a:cs typeface="Arial" panose="020B0604020202020204" pitchFamily="34" charset="0"/>
-              </a:rPr>
-              <a:t>Considerações</a:t>
-            </a:r>
-            <a:r>
-              <a:rPr lang="en-US" sz="6589" b="1" dirty="0">
-                <a:solidFill>
-                  <a:srgbClr val="C00000"/>
-                </a:solidFill>
-                <a:latin typeface="Arial" panose="020B0604020202020204" pitchFamily="34" charset="0"/>
-                <a:cs typeface="Arial" panose="020B0604020202020204" pitchFamily="34" charset="0"/>
-              </a:rPr>
-              <a:t> </a:t>
-            </a:r>
-            <a:r>
               <a:rPr lang="en-US" sz="6589" b="1" dirty="0" err="1" smtClean="0">
                 <a:solidFill>
                   <a:srgbClr val="C00000"/>
                 </a:solidFill>
-                <a:latin typeface="Arial" panose="020B0604020202020204" pitchFamily="34" charset="0"/>
+                <a:latin typeface="Heveltica Bold"/>
+                <a:cs typeface="Arial" panose="020B0604020202020204" pitchFamily="34" charset="0"/>
+              </a:rPr>
+              <a:t>Considerações</a:t>
+            </a:r>
+            <a:r>
+              <a:rPr lang="en-US" sz="6589" b="1" dirty="0" smtClean="0">
+                <a:solidFill>
+                  <a:srgbClr val="C00000"/>
+                </a:solidFill>
+                <a:latin typeface="Heveltica Bold"/>
+                <a:cs typeface="Arial" panose="020B0604020202020204" pitchFamily="34" charset="0"/>
+              </a:rPr>
+              <a:t> </a:t>
+            </a:r>
+            <a:r>
+              <a:rPr lang="en-US" sz="6589" b="1" dirty="0" err="1" smtClean="0">
+                <a:solidFill>
+                  <a:srgbClr val="C00000"/>
+                </a:solidFill>
+                <a:latin typeface="Heveltica Bold"/>
                 <a:cs typeface="Arial" panose="020B0604020202020204" pitchFamily="34" charset="0"/>
               </a:rPr>
               <a:t>finais</a:t>
             </a:r>
+            <a:endParaRPr lang="en-US" sz="6589" b="1" dirty="0" smtClean="0">
+              <a:solidFill>
+                <a:srgbClr val="C00000"/>
+              </a:solidFill>
+              <a:latin typeface="Heveltica Bold"/>
+              <a:cs typeface="Arial" panose="020B0604020202020204" pitchFamily="34" charset="0"/>
+            </a:endParaRPr>
           </a:p>
           <a:p>
             <a:pPr algn="just"/>
             <a:r>
-              <a:rPr lang="en-US" sz="6589" dirty="0">
-                <a:latin typeface="Arial" panose="020B0604020202020204" pitchFamily="34" charset="0"/>
+              <a:rPr lang="en-US" sz="6000" dirty="0" smtClean="0">
+                <a:latin typeface="Heveltica Bold"/>
                 <a:cs typeface="Arial" panose="020B0604020202020204" pitchFamily="34" charset="0"/>
               </a:rPr>
               <a:t>Um </a:t>
             </a:r>
             <a:r>
-              <a:rPr lang="en-US" sz="6589" dirty="0" err="1">
-                <a:latin typeface="Arial" panose="020B0604020202020204" pitchFamily="34" charset="0"/>
+              <a:rPr lang="en-US" sz="6000" dirty="0" err="1" smtClean="0">
+                <a:latin typeface="Heveltica Bold"/>
                 <a:cs typeface="Arial" panose="020B0604020202020204" pitchFamily="34" charset="0"/>
               </a:rPr>
               <a:t>sistema</a:t>
             </a:r>
             <a:r>
-              <a:rPr lang="en-US" sz="6589" dirty="0">
-                <a:latin typeface="Arial" panose="020B0604020202020204" pitchFamily="34" charset="0"/>
+              <a:rPr lang="en-US" sz="6000" dirty="0" smtClean="0">
+                <a:latin typeface="Heveltica Bold"/>
                 <a:cs typeface="Arial" panose="020B0604020202020204" pitchFamily="34" charset="0"/>
               </a:rPr>
               <a:t> </a:t>
             </a:r>
             <a:r>
-              <a:rPr lang="en-US" sz="6589" dirty="0" err="1">
-                <a:latin typeface="Arial" panose="020B0604020202020204" pitchFamily="34" charset="0"/>
+              <a:rPr lang="en-US" sz="6000" dirty="0" err="1" smtClean="0">
+                <a:latin typeface="Heveltica Bold"/>
                 <a:cs typeface="Arial" panose="020B0604020202020204" pitchFamily="34" charset="0"/>
               </a:rPr>
               <a:t>que</a:t>
             </a:r>
             <a:r>
-              <a:rPr lang="en-US" sz="6589" dirty="0">
-                <a:latin typeface="Arial" panose="020B0604020202020204" pitchFamily="34" charset="0"/>
+              <a:rPr lang="en-US" sz="6000" dirty="0" smtClean="0">
+                <a:latin typeface="Heveltica Bold"/>
                 <a:cs typeface="Arial" panose="020B0604020202020204" pitchFamily="34" charset="0"/>
               </a:rPr>
               <a:t> </a:t>
             </a:r>
             <a:r>
-              <a:rPr lang="en-US" sz="6589" dirty="0" err="1">
-                <a:latin typeface="Arial" panose="020B0604020202020204" pitchFamily="34" charset="0"/>
+              <a:rPr lang="en-US" sz="6000" dirty="0" err="1" smtClean="0">
+                <a:latin typeface="Heveltica Bold"/>
                 <a:cs typeface="Arial" panose="020B0604020202020204" pitchFamily="34" charset="0"/>
               </a:rPr>
               <a:t>trás</a:t>
             </a:r>
             <a:r>
-              <a:rPr lang="en-US" sz="6589" dirty="0">
-                <a:latin typeface="Arial" panose="020B0604020202020204" pitchFamily="34" charset="0"/>
+              <a:rPr lang="en-US" sz="6000" dirty="0" smtClean="0">
+                <a:latin typeface="Heveltica Bold"/>
                 <a:cs typeface="Arial" panose="020B0604020202020204" pitchFamily="34" charset="0"/>
               </a:rPr>
               <a:t> </a:t>
             </a:r>
             <a:r>
-              <a:rPr lang="en-US" sz="6589" dirty="0" err="1">
-                <a:latin typeface="Arial" panose="020B0604020202020204" pitchFamily="34" charset="0"/>
+              <a:rPr lang="en-US" sz="6000" dirty="0" err="1" smtClean="0">
+                <a:latin typeface="Heveltica Bold"/>
                 <a:cs typeface="Arial" panose="020B0604020202020204" pitchFamily="34" charset="0"/>
               </a:rPr>
               <a:t>versatilidade</a:t>
             </a:r>
             <a:r>
-              <a:rPr lang="en-US" sz="6589" dirty="0">
-                <a:latin typeface="Arial" panose="020B0604020202020204" pitchFamily="34" charset="0"/>
+              <a:rPr lang="en-US" sz="6000" dirty="0" smtClean="0">
+                <a:latin typeface="Heveltica Bold"/>
                 <a:cs typeface="Arial" panose="020B0604020202020204" pitchFamily="34" charset="0"/>
               </a:rPr>
               <a:t> para </a:t>
             </a:r>
             <a:r>
-              <a:rPr lang="en-US" sz="6589" dirty="0" err="1">
-                <a:latin typeface="Arial" panose="020B0604020202020204" pitchFamily="34" charset="0"/>
+              <a:rPr lang="en-US" sz="6000" dirty="0" err="1" smtClean="0">
+                <a:latin typeface="Heveltica Bold"/>
                 <a:cs typeface="Arial" panose="020B0604020202020204" pitchFamily="34" charset="0"/>
               </a:rPr>
               <a:t>seus</a:t>
             </a:r>
             <a:r>
-              <a:rPr lang="en-US" sz="6589" dirty="0">
-                <a:latin typeface="Arial" panose="020B0604020202020204" pitchFamily="34" charset="0"/>
+              <a:rPr lang="en-US" sz="6000" dirty="0" smtClean="0">
+                <a:latin typeface="Heveltica Bold"/>
                 <a:cs typeface="Arial" panose="020B0604020202020204" pitchFamily="34" charset="0"/>
               </a:rPr>
               <a:t> </a:t>
             </a:r>
             <a:r>
-              <a:rPr lang="en-US" sz="6589" dirty="0" err="1">
-                <a:latin typeface="Arial" panose="020B0604020202020204" pitchFamily="34" charset="0"/>
+              <a:rPr lang="en-US" sz="6000" dirty="0" err="1" smtClean="0">
+                <a:latin typeface="Heveltica Bold"/>
                 <a:cs typeface="Arial" panose="020B0604020202020204" pitchFamily="34" charset="0"/>
               </a:rPr>
               <a:t>usuários</a:t>
             </a:r>
             <a:r>
-              <a:rPr lang="en-US" sz="6589" dirty="0">
-                <a:latin typeface="Arial" panose="020B0604020202020204" pitchFamily="34" charset="0"/>
+              <a:rPr lang="en-US" sz="6000" dirty="0" smtClean="0">
+                <a:latin typeface="Heveltica Bold"/>
                 <a:cs typeface="Arial" panose="020B0604020202020204" pitchFamily="34" charset="0"/>
               </a:rPr>
               <a:t> com </a:t>
             </a:r>
             <a:r>
-              <a:rPr lang="en-US" sz="6589" dirty="0" err="1">
-                <a:latin typeface="Arial" panose="020B0604020202020204" pitchFamily="34" charset="0"/>
+              <a:rPr lang="en-US" sz="6000" dirty="0" err="1" smtClean="0">
+                <a:latin typeface="Heveltica Bold"/>
                 <a:cs typeface="Arial" panose="020B0604020202020204" pitchFamily="34" charset="0"/>
               </a:rPr>
               <a:t>conceitos</a:t>
             </a:r>
             <a:r>
-              <a:rPr lang="en-US" sz="6589" dirty="0">
-                <a:latin typeface="Arial" panose="020B0604020202020204" pitchFamily="34" charset="0"/>
+              <a:rPr lang="en-US" sz="6000" dirty="0" smtClean="0">
+                <a:latin typeface="Heveltica Bold"/>
                 <a:cs typeface="Arial" panose="020B0604020202020204" pitchFamily="34" charset="0"/>
               </a:rPr>
               <a:t> de UX-UI </a:t>
             </a:r>
             <a:r>
-              <a:rPr lang="en-US" sz="6589" dirty="0" err="1">
-                <a:latin typeface="Arial" panose="020B0604020202020204" pitchFamily="34" charset="0"/>
+              <a:rPr lang="en-US" sz="6000" dirty="0" err="1" smtClean="0">
+                <a:latin typeface="Heveltica Bold"/>
                 <a:cs typeface="Arial" panose="020B0604020202020204" pitchFamily="34" charset="0"/>
               </a:rPr>
               <a:t>em</a:t>
             </a:r>
             <a:r>
-              <a:rPr lang="en-US" sz="6589" dirty="0">
-                <a:latin typeface="Arial" panose="020B0604020202020204" pitchFamily="34" charset="0"/>
+              <a:rPr lang="en-US" sz="6000" dirty="0" smtClean="0">
+                <a:latin typeface="Heveltica Bold"/>
                 <a:cs typeface="Arial" panose="020B0604020202020204" pitchFamily="34" charset="0"/>
               </a:rPr>
               <a:t> </a:t>
             </a:r>
             <a:r>
-              <a:rPr lang="en-US" sz="6589" dirty="0" err="1">
-                <a:latin typeface="Arial" panose="020B0604020202020204" pitchFamily="34" charset="0"/>
+              <a:rPr lang="en-US" sz="6000" dirty="0" err="1" smtClean="0">
+                <a:latin typeface="Heveltica Bold"/>
                 <a:cs typeface="Arial" panose="020B0604020202020204" pitchFamily="34" charset="0"/>
               </a:rPr>
               <a:t>suas</a:t>
             </a:r>
             <a:r>
-              <a:rPr lang="en-US" sz="6589" dirty="0">
-                <a:latin typeface="Arial" panose="020B0604020202020204" pitchFamily="34" charset="0"/>
+              <a:rPr lang="en-US" sz="6000" dirty="0" smtClean="0">
+                <a:latin typeface="Heveltica Bold"/>
                 <a:cs typeface="Arial" panose="020B0604020202020204" pitchFamily="34" charset="0"/>
               </a:rPr>
               <a:t> interfaces, </a:t>
             </a:r>
             <a:r>
-              <a:rPr lang="en-US" sz="6589" dirty="0" err="1">
-                <a:latin typeface="Arial" panose="020B0604020202020204" pitchFamily="34" charset="0"/>
+              <a:rPr lang="en-US" sz="6000" dirty="0" err="1" smtClean="0">
+                <a:latin typeface="Heveltica Bold"/>
                 <a:cs typeface="Arial" panose="020B0604020202020204" pitchFamily="34" charset="0"/>
               </a:rPr>
               <a:t>trazendo</a:t>
             </a:r>
             <a:r>
-              <a:rPr lang="en-US" sz="6589" dirty="0">
-                <a:latin typeface="Arial" panose="020B0604020202020204" pitchFamily="34" charset="0"/>
+              <a:rPr lang="en-US" sz="6000" dirty="0" smtClean="0">
+                <a:latin typeface="Heveltica Bold"/>
                 <a:cs typeface="Arial" panose="020B0604020202020204" pitchFamily="34" charset="0"/>
               </a:rPr>
               <a:t> </a:t>
             </a:r>
             <a:r>
-              <a:rPr lang="en-US" sz="6589" dirty="0" err="1">
-                <a:latin typeface="Arial" panose="020B0604020202020204" pitchFamily="34" charset="0"/>
+              <a:rPr lang="en-US" sz="6000" dirty="0" err="1" smtClean="0">
+                <a:latin typeface="Heveltica Bold"/>
                 <a:cs typeface="Arial" panose="020B0604020202020204" pitchFamily="34" charset="0"/>
               </a:rPr>
               <a:t>uma</a:t>
             </a:r>
             <a:r>
-              <a:rPr lang="en-US" sz="6589" dirty="0">
-                <a:latin typeface="Arial" panose="020B0604020202020204" pitchFamily="34" charset="0"/>
+              <a:rPr lang="en-US" sz="6000" dirty="0" smtClean="0">
+                <a:latin typeface="Heveltica Bold"/>
                 <a:cs typeface="Arial" panose="020B0604020202020204" pitchFamily="34" charset="0"/>
               </a:rPr>
               <a:t> </a:t>
             </a:r>
             <a:r>
-              <a:rPr lang="en-US" sz="6589" dirty="0" err="1">
-                <a:latin typeface="Arial" panose="020B0604020202020204" pitchFamily="34" charset="0"/>
+              <a:rPr lang="en-US" sz="6000" dirty="0" err="1" smtClean="0">
+                <a:latin typeface="Heveltica Bold"/>
                 <a:cs typeface="Arial" panose="020B0604020202020204" pitchFamily="34" charset="0"/>
               </a:rPr>
               <a:t>sensação</a:t>
             </a:r>
             <a:r>
-              <a:rPr lang="en-US" sz="6589" dirty="0">
-                <a:latin typeface="Arial" panose="020B0604020202020204" pitchFamily="34" charset="0"/>
+              <a:rPr lang="en-US" sz="6000" dirty="0" smtClean="0">
+                <a:latin typeface="Heveltica Bold"/>
                 <a:cs typeface="Arial" panose="020B0604020202020204" pitchFamily="34" charset="0"/>
               </a:rPr>
               <a:t> de </a:t>
             </a:r>
             <a:r>
-              <a:rPr lang="en-US" sz="6589" dirty="0" err="1">
-                <a:latin typeface="Arial" panose="020B0604020202020204" pitchFamily="34" charset="0"/>
+              <a:rPr lang="en-US" sz="6000" dirty="0" err="1" smtClean="0">
+                <a:latin typeface="Heveltica Bold"/>
                 <a:cs typeface="Arial" panose="020B0604020202020204" pitchFamily="34" charset="0"/>
               </a:rPr>
               <a:t>facilidade</a:t>
             </a:r>
             <a:r>
-              <a:rPr lang="en-US" sz="6589" dirty="0">
-                <a:latin typeface="Arial" panose="020B0604020202020204" pitchFamily="34" charset="0"/>
+              <a:rPr lang="en-US" sz="6000" dirty="0" smtClean="0">
+                <a:latin typeface="Heveltica Bold"/>
                 <a:cs typeface="Arial" panose="020B0604020202020204" pitchFamily="34" charset="0"/>
               </a:rPr>
               <a:t> </a:t>
             </a:r>
             <a:r>
-              <a:rPr lang="en-US" sz="6589" dirty="0" err="1">
-                <a:latin typeface="Arial" panose="020B0604020202020204" pitchFamily="34" charset="0"/>
+              <a:rPr lang="en-US" sz="6000" dirty="0" err="1" smtClean="0">
+                <a:latin typeface="Heveltica Bold"/>
                 <a:cs typeface="Arial" panose="020B0604020202020204" pitchFamily="34" charset="0"/>
               </a:rPr>
               <a:t>em</a:t>
             </a:r>
             <a:r>
-              <a:rPr lang="en-US" sz="6589" dirty="0">
-                <a:latin typeface="Arial" panose="020B0604020202020204" pitchFamily="34" charset="0"/>
+              <a:rPr lang="en-US" sz="6000" dirty="0" smtClean="0">
+                <a:latin typeface="Heveltica Bold"/>
                 <a:cs typeface="Arial" panose="020B0604020202020204" pitchFamily="34" charset="0"/>
               </a:rPr>
               <a:t> </a:t>
             </a:r>
             <a:r>
-              <a:rPr lang="en-US" sz="6589" dirty="0" err="1">
-                <a:latin typeface="Arial" panose="020B0604020202020204" pitchFamily="34" charset="0"/>
+              <a:rPr lang="en-US" sz="6000" dirty="0" err="1" smtClean="0">
+                <a:latin typeface="Heveltica Bold"/>
                 <a:cs typeface="Arial" panose="020B0604020202020204" pitchFamily="34" charset="0"/>
               </a:rPr>
               <a:t>seu</a:t>
             </a:r>
             <a:r>
-              <a:rPr lang="en-US" sz="6589" dirty="0">
-                <a:latin typeface="Arial" panose="020B0604020202020204" pitchFamily="34" charset="0"/>
+              <a:rPr lang="en-US" sz="6000" dirty="0" smtClean="0">
+                <a:latin typeface="Heveltica Bold"/>
                 <a:cs typeface="Arial" panose="020B0604020202020204" pitchFamily="34" charset="0"/>
               </a:rPr>
               <a:t> </a:t>
             </a:r>
             <a:r>
-              <a:rPr lang="en-US" sz="6589" dirty="0" err="1">
-                <a:latin typeface="Arial" panose="020B0604020202020204" pitchFamily="34" charset="0"/>
+              <a:rPr lang="en-US" sz="6000" dirty="0" err="1" smtClean="0">
+                <a:latin typeface="Heveltica Bold"/>
                 <a:cs typeface="Arial" panose="020B0604020202020204" pitchFamily="34" charset="0"/>
               </a:rPr>
               <a:t>uso</a:t>
             </a:r>
             <a:r>
-              <a:rPr lang="en-US" sz="6589" dirty="0">
-                <a:latin typeface="Arial" panose="020B0604020202020204" pitchFamily="34" charset="0"/>
+              <a:rPr lang="en-US" sz="6000" dirty="0" smtClean="0">
+                <a:latin typeface="Heveltica Bold"/>
                 <a:cs typeface="Arial" panose="020B0604020202020204" pitchFamily="34" charset="0"/>
               </a:rPr>
               <a:t>.</a:t>
             </a:r>
+            <a:endParaRPr lang="en-US" sz="6000" dirty="0">
+              <a:latin typeface="Heveltica Bold"/>
+              <a:cs typeface="Arial" panose="020B0604020202020204" pitchFamily="34" charset="0"/>
+            </a:endParaRPr>
           </a:p>
         </p:txBody>
       </p:sp>
@@ -3470,7 +3493,7 @@
           <p:cNvPr id="11" name="CaixaDeTexto 10">
             <a:extLst>
               <a:ext uri="{FF2B5EF4-FFF2-40B4-BE49-F238E27FC236}">
-                <a16:creationId xmlns="" xmlns:a16="http://schemas.microsoft.com/office/drawing/2014/main" id="{2F42D482-2343-4BE1-9A5D-A1BA72B8C561}"/>
+                <a16:creationId xmlns:a16="http://schemas.microsoft.com/office/drawing/2014/main" xmlns="" id="{2F42D482-2343-4BE1-9A5D-A1BA72B8C561}"/>
               </a:ext>
             </a:extLst>
           </p:cNvPr>
@@ -3480,7 +3503,7 @@
         <p:spPr>
           <a:xfrm>
             <a:off x="1319142" y="22240859"/>
-            <a:ext cx="13370885" cy="7190302"/>
+            <a:ext cx="13370885" cy="6736972"/>
           </a:xfrm>
           <a:prstGeom prst="rect">
             <a:avLst/>
@@ -3499,7 +3522,7 @@
                 <a:solidFill>
                   <a:srgbClr val="C00000"/>
                 </a:solidFill>
-                <a:latin typeface="Arial" panose="020B0604020202020204" pitchFamily="34" charset="0"/>
+                <a:latin typeface="Heveltica Bold"/>
                 <a:cs typeface="Arial" panose="020B0604020202020204" pitchFamily="34" charset="0"/>
               </a:rPr>
               <a:t>Metodologia</a:t>
@@ -3508,176 +3531,197 @@
               <a:solidFill>
                 <a:srgbClr val="C00000"/>
               </a:solidFill>
-              <a:latin typeface="Arial" panose="020B0604020202020204" pitchFamily="34" charset="0"/>
+              <a:latin typeface="Heveltica Bold"/>
               <a:cs typeface="Arial" panose="020B0604020202020204" pitchFamily="34" charset="0"/>
             </a:endParaRPr>
           </a:p>
           <a:p>
             <a:pPr algn="just"/>
             <a:r>
-              <a:rPr lang="en-US" sz="6589" dirty="0" err="1" smtClean="0">
-                <a:latin typeface="Arial" panose="020B0604020202020204" pitchFamily="34" charset="0"/>
+              <a:rPr lang="en-US" sz="6000" dirty="0" err="1" smtClean="0">
+                <a:latin typeface="Heveltica Bold"/>
                 <a:cs typeface="Arial" panose="020B0604020202020204" pitchFamily="34" charset="0"/>
               </a:rPr>
               <a:t>Análise</a:t>
             </a:r>
             <a:r>
-              <a:rPr lang="en-US" sz="6589" dirty="0" smtClean="0">
-                <a:latin typeface="Arial" panose="020B0604020202020204" pitchFamily="34" charset="0"/>
+              <a:rPr lang="en-US" sz="6000" dirty="0" smtClean="0">
+                <a:latin typeface="Heveltica Bold"/>
                 <a:cs typeface="Arial" panose="020B0604020202020204" pitchFamily="34" charset="0"/>
               </a:rPr>
               <a:t> da </a:t>
             </a:r>
             <a:r>
-              <a:rPr lang="en-US" sz="6589" dirty="0" err="1" smtClean="0">
-                <a:latin typeface="Arial" panose="020B0604020202020204" pitchFamily="34" charset="0"/>
+              <a:rPr lang="en-US" sz="6000" dirty="0" err="1" smtClean="0">
+                <a:latin typeface="Heveltica Bold"/>
                 <a:cs typeface="Arial" panose="020B0604020202020204" pitchFamily="34" charset="0"/>
               </a:rPr>
               <a:t>necessidade</a:t>
             </a:r>
             <a:r>
-              <a:rPr lang="en-US" sz="6589" dirty="0" smtClean="0">
-                <a:latin typeface="Arial" panose="020B0604020202020204" pitchFamily="34" charset="0"/>
+              <a:rPr lang="en-US" sz="6000" dirty="0" smtClean="0">
+                <a:latin typeface="Heveltica Bold"/>
                 <a:cs typeface="Arial" panose="020B0604020202020204" pitchFamily="34" charset="0"/>
               </a:rPr>
               <a:t>, </a:t>
             </a:r>
             <a:r>
-              <a:rPr lang="en-US" sz="6589" dirty="0" err="1" smtClean="0">
-                <a:latin typeface="Arial" panose="020B0604020202020204" pitchFamily="34" charset="0"/>
+              <a:rPr lang="en-US" sz="6000" dirty="0" err="1" smtClean="0">
+                <a:latin typeface="Heveltica Bold"/>
                 <a:cs typeface="Arial" panose="020B0604020202020204" pitchFamily="34" charset="0"/>
               </a:rPr>
               <a:t>levantamento</a:t>
             </a:r>
             <a:r>
-              <a:rPr lang="en-US" sz="6589" dirty="0" smtClean="0">
-                <a:latin typeface="Arial" panose="020B0604020202020204" pitchFamily="34" charset="0"/>
+              <a:rPr lang="en-US" sz="6000" dirty="0" smtClean="0">
+                <a:latin typeface="Heveltica Bold"/>
                 <a:cs typeface="Arial" panose="020B0604020202020204" pitchFamily="34" charset="0"/>
               </a:rPr>
               <a:t> de </a:t>
             </a:r>
             <a:r>
-              <a:rPr lang="en-US" sz="6589" dirty="0" err="1" smtClean="0">
-                <a:latin typeface="Arial" panose="020B0604020202020204" pitchFamily="34" charset="0"/>
+              <a:rPr lang="en-US" sz="6000" dirty="0" err="1" smtClean="0">
+                <a:latin typeface="Heveltica Bold"/>
                 <a:cs typeface="Arial" panose="020B0604020202020204" pitchFamily="34" charset="0"/>
               </a:rPr>
               <a:t>estátisticas</a:t>
             </a:r>
             <a:r>
-              <a:rPr lang="en-US" sz="6589" dirty="0" smtClean="0">
-                <a:latin typeface="Arial" panose="020B0604020202020204" pitchFamily="34" charset="0"/>
+              <a:rPr lang="en-US" sz="6000" dirty="0" smtClean="0">
+                <a:latin typeface="Heveltica Bold"/>
                 <a:cs typeface="Arial" panose="020B0604020202020204" pitchFamily="34" charset="0"/>
               </a:rPr>
               <a:t> e </a:t>
             </a:r>
             <a:r>
-              <a:rPr lang="en-US" sz="6589" dirty="0" err="1" smtClean="0">
-                <a:latin typeface="Arial" panose="020B0604020202020204" pitchFamily="34" charset="0"/>
+              <a:rPr lang="en-US" sz="6000" dirty="0" err="1" smtClean="0">
+                <a:latin typeface="Heveltica Bold"/>
                 <a:cs typeface="Arial" panose="020B0604020202020204" pitchFamily="34" charset="0"/>
               </a:rPr>
               <a:t>requisitos</a:t>
             </a:r>
             <a:r>
-              <a:rPr lang="en-US" sz="6589" dirty="0" smtClean="0">
-                <a:latin typeface="Arial" panose="020B0604020202020204" pitchFamily="34" charset="0"/>
-                <a:cs typeface="Arial" panose="020B0604020202020204" pitchFamily="34" charset="0"/>
-              </a:rPr>
-              <a:t>. A </a:t>
-            </a:r>
-            <a:r>
-              <a:rPr lang="en-US" sz="6589" dirty="0" err="1" smtClean="0">
-                <a:latin typeface="Arial" panose="020B0604020202020204" pitchFamily="34" charset="0"/>
+              <a:rPr lang="en-US" sz="6000" dirty="0" smtClean="0">
+                <a:latin typeface="Heveltica Bold"/>
+                <a:cs typeface="Arial" panose="020B0604020202020204" pitchFamily="34" charset="0"/>
+              </a:rPr>
+              <a:t>. </a:t>
+            </a:r>
+            <a:r>
+              <a:rPr lang="en-US" sz="6000" dirty="0" smtClean="0">
+                <a:latin typeface="Heveltica Bold"/>
+                <a:cs typeface="Arial" panose="020B0604020202020204" pitchFamily="34" charset="0"/>
+              </a:rPr>
+              <a:t>A </a:t>
+            </a:r>
+            <a:r>
+              <a:rPr lang="en-US" sz="6000" dirty="0" err="1" smtClean="0">
+                <a:latin typeface="Heveltica Bold"/>
                 <a:cs typeface="Arial" panose="020B0604020202020204" pitchFamily="34" charset="0"/>
               </a:rPr>
               <a:t>metodologia</a:t>
             </a:r>
             <a:r>
-              <a:rPr lang="en-US" sz="6589" dirty="0" smtClean="0">
-                <a:latin typeface="Arial" panose="020B0604020202020204" pitchFamily="34" charset="0"/>
+              <a:rPr lang="en-US" sz="6000" dirty="0" smtClean="0">
+                <a:latin typeface="Heveltica Bold"/>
                 <a:cs typeface="Arial" panose="020B0604020202020204" pitchFamily="34" charset="0"/>
               </a:rPr>
               <a:t> </a:t>
             </a:r>
             <a:r>
-              <a:rPr lang="en-US" sz="6589" dirty="0" err="1" smtClean="0">
-                <a:latin typeface="Arial" panose="020B0604020202020204" pitchFamily="34" charset="0"/>
+              <a:rPr lang="en-US" sz="6000" dirty="0" err="1" smtClean="0">
+                <a:latin typeface="Heveltica Bold"/>
                 <a:cs typeface="Arial" panose="020B0604020202020204" pitchFamily="34" charset="0"/>
               </a:rPr>
               <a:t>Kanban</a:t>
             </a:r>
             <a:r>
-              <a:rPr lang="en-US" sz="6589" dirty="0" smtClean="0">
-                <a:latin typeface="Arial" panose="020B0604020202020204" pitchFamily="34" charset="0"/>
+              <a:rPr lang="en-US" sz="6000" dirty="0" smtClean="0">
+                <a:latin typeface="Heveltica Bold"/>
                 <a:cs typeface="Arial" panose="020B0604020202020204" pitchFamily="34" charset="0"/>
               </a:rPr>
               <a:t> </a:t>
             </a:r>
             <a:r>
-              <a:rPr lang="en-US" sz="6589" dirty="0" smtClean="0">
-                <a:latin typeface="Arial" panose="020B0604020202020204" pitchFamily="34" charset="0"/>
-                <a:cs typeface="Arial" panose="020B0604020202020204" pitchFamily="34" charset="0"/>
-              </a:rPr>
-              <a:t>e </a:t>
-            </a:r>
-            <a:r>
-              <a:rPr lang="en-US" sz="6589" dirty="0" err="1" smtClean="0">
-                <a:latin typeface="Arial" panose="020B0604020202020204" pitchFamily="34" charset="0"/>
+              <a:rPr lang="en-US" sz="6000" dirty="0" err="1" smtClean="0">
+                <a:latin typeface="Heveltica Bold"/>
+                <a:cs typeface="Arial" panose="020B0604020202020204" pitchFamily="34" charset="0"/>
+              </a:rPr>
+              <a:t>alicerçada</a:t>
+            </a:r>
+            <a:r>
+              <a:rPr lang="en-US" sz="6000" dirty="0" smtClean="0">
+                <a:latin typeface="Heveltica Bold"/>
+                <a:cs typeface="Arial" panose="020B0604020202020204" pitchFamily="34" charset="0"/>
+              </a:rPr>
+              <a:t> com o </a:t>
+            </a:r>
+            <a:r>
+              <a:rPr lang="en-US" sz="6000" dirty="0" smtClean="0">
+                <a:latin typeface="Heveltica Bold"/>
+                <a:cs typeface="Arial" panose="020B0604020202020204" pitchFamily="34" charset="0"/>
+              </a:rPr>
+              <a:t> </a:t>
+            </a:r>
+            <a:r>
+              <a:rPr lang="en-US" sz="6000" dirty="0" err="1" smtClean="0">
+                <a:latin typeface="Heveltica Bold"/>
                 <a:cs typeface="Arial" panose="020B0604020202020204" pitchFamily="34" charset="0"/>
               </a:rPr>
               <a:t>desenvolvimento</a:t>
             </a:r>
             <a:r>
-              <a:rPr lang="en-US" sz="6589" dirty="0" smtClean="0">
-                <a:latin typeface="Arial" panose="020B0604020202020204" pitchFamily="34" charset="0"/>
+              <a:rPr lang="en-US" sz="6000" dirty="0" smtClean="0">
+                <a:latin typeface="Heveltica Bold"/>
                 <a:cs typeface="Arial" panose="020B0604020202020204" pitchFamily="34" charset="0"/>
               </a:rPr>
               <a:t> </a:t>
             </a:r>
             <a:r>
-              <a:rPr lang="en-US" sz="6589" dirty="0" err="1" smtClean="0">
-                <a:latin typeface="Arial" panose="020B0604020202020204" pitchFamily="34" charset="0"/>
+              <a:rPr lang="en-US" sz="6000" dirty="0" err="1" smtClean="0">
+                <a:latin typeface="Heveltica Bold"/>
                 <a:cs typeface="Arial" panose="020B0604020202020204" pitchFamily="34" charset="0"/>
               </a:rPr>
               <a:t>ágil</a:t>
             </a:r>
             <a:r>
-              <a:rPr lang="en-US" sz="6589" dirty="0">
-                <a:latin typeface="Arial" panose="020B0604020202020204" pitchFamily="34" charset="0"/>
+              <a:rPr lang="en-US" sz="6000" dirty="0">
+                <a:latin typeface="Heveltica Bold"/>
                 <a:cs typeface="Arial" panose="020B0604020202020204" pitchFamily="34" charset="0"/>
               </a:rPr>
               <a:t> </a:t>
             </a:r>
             <a:r>
-              <a:rPr lang="en-US" sz="6589" dirty="0" smtClean="0">
-                <a:latin typeface="Arial" panose="020B0604020202020204" pitchFamily="34" charset="0"/>
+              <a:rPr lang="en-US" sz="6000" dirty="0" smtClean="0">
+                <a:latin typeface="Heveltica Bold"/>
                 <a:cs typeface="Arial" panose="020B0604020202020204" pitchFamily="34" charset="0"/>
               </a:rPr>
               <a:t>com base </a:t>
             </a:r>
             <a:r>
-              <a:rPr lang="en-US" sz="6589" dirty="0" err="1" smtClean="0">
-                <a:latin typeface="Arial" panose="020B0604020202020204" pitchFamily="34" charset="0"/>
+              <a:rPr lang="en-US" sz="6000" dirty="0" err="1" smtClean="0">
+                <a:latin typeface="Heveltica Bold"/>
                 <a:cs typeface="Arial" panose="020B0604020202020204" pitchFamily="34" charset="0"/>
               </a:rPr>
               <a:t>na</a:t>
             </a:r>
             <a:r>
-              <a:rPr lang="en-US" sz="6589" dirty="0" smtClean="0">
-                <a:latin typeface="Arial" panose="020B0604020202020204" pitchFamily="34" charset="0"/>
+              <a:rPr lang="en-US" sz="6000" dirty="0" smtClean="0">
+                <a:latin typeface="Heveltica Bold"/>
                 <a:cs typeface="Arial" panose="020B0604020202020204" pitchFamily="34" charset="0"/>
               </a:rPr>
               <a:t> </a:t>
             </a:r>
             <a:r>
-              <a:rPr lang="en-US" sz="6589" dirty="0" err="1" smtClean="0">
-                <a:latin typeface="Arial" panose="020B0604020202020204" pitchFamily="34" charset="0"/>
+              <a:rPr lang="en-US" sz="6000" dirty="0" err="1" smtClean="0">
+                <a:latin typeface="Heveltica Bold"/>
                 <a:cs typeface="Arial" panose="020B0604020202020204" pitchFamily="34" charset="0"/>
               </a:rPr>
               <a:t>metodologia</a:t>
             </a:r>
             <a:r>
-              <a:rPr lang="en-US" sz="6589" dirty="0" smtClean="0">
-                <a:latin typeface="Arial" panose="020B0604020202020204" pitchFamily="34" charset="0"/>
+              <a:rPr lang="en-US" sz="6000" dirty="0" smtClean="0">
+                <a:latin typeface="Heveltica Bold"/>
                 <a:cs typeface="Arial" panose="020B0604020202020204" pitchFamily="34" charset="0"/>
               </a:rPr>
               <a:t> Scrum.</a:t>
@@ -3697,7 +3741,7 @@
           <p:cNvPr id="12" name="CaixaDeTexto 11">
             <a:extLst>
               <a:ext uri="{FF2B5EF4-FFF2-40B4-BE49-F238E27FC236}">
-                <a16:creationId xmlns="" xmlns:a16="http://schemas.microsoft.com/office/drawing/2014/main" id="{AC6698BC-E15C-41D4-96A0-D2E8D9C58D81}"/>
+                <a16:creationId xmlns:a16="http://schemas.microsoft.com/office/drawing/2014/main" xmlns="" id="{AC6698BC-E15C-41D4-96A0-D2E8D9C58D81}"/>
               </a:ext>
             </a:extLst>
           </p:cNvPr>
@@ -3707,7 +3751,7 @@
         <p:spPr>
           <a:xfrm>
             <a:off x="1319142" y="29152209"/>
-            <a:ext cx="13370885" cy="8204297"/>
+            <a:ext cx="13370885" cy="6646307"/>
           </a:xfrm>
           <a:prstGeom prst="rect">
             <a:avLst/>
@@ -3726,7 +3770,7 @@
                 <a:solidFill>
                   <a:srgbClr val="C00000"/>
                 </a:solidFill>
-                <a:latin typeface="Arial" panose="020B0604020202020204" pitchFamily="34" charset="0"/>
+                <a:latin typeface="Heveltica Bold"/>
                 <a:cs typeface="Arial" panose="020B0604020202020204" pitchFamily="34" charset="0"/>
               </a:rPr>
               <a:t>Resultados</a:t>
@@ -3735,294 +3779,287 @@
               <a:solidFill>
                 <a:srgbClr val="C00000"/>
               </a:solidFill>
-              <a:latin typeface="Arial" panose="020B0604020202020204" pitchFamily="34" charset="0"/>
+              <a:latin typeface="Heveltica Bold"/>
               <a:cs typeface="Arial" panose="020B0604020202020204" pitchFamily="34" charset="0"/>
             </a:endParaRPr>
           </a:p>
           <a:p>
             <a:pPr algn="just"/>
             <a:r>
-              <a:rPr lang="en-US" sz="6589" dirty="0" err="1" smtClean="0">
-                <a:latin typeface="Arial" panose="020B0604020202020204" pitchFamily="34" charset="0"/>
+              <a:rPr lang="en-US" sz="6000" dirty="0" err="1" smtClean="0">
+                <a:latin typeface="Heveltica Bold"/>
                 <a:cs typeface="Arial" panose="020B0604020202020204" pitchFamily="34" charset="0"/>
               </a:rPr>
               <a:t>Vendedores</a:t>
             </a:r>
             <a:r>
-              <a:rPr lang="en-US" sz="6589" dirty="0" smtClean="0">
-                <a:latin typeface="Arial" panose="020B0604020202020204" pitchFamily="34" charset="0"/>
+              <a:rPr lang="en-US" sz="6000" dirty="0" smtClean="0">
+                <a:latin typeface="Heveltica Bold"/>
                 <a:cs typeface="Arial" panose="020B0604020202020204" pitchFamily="34" charset="0"/>
               </a:rPr>
               <a:t> </a:t>
             </a:r>
             <a:r>
-              <a:rPr lang="en-US" sz="6589" dirty="0" err="1" smtClean="0">
-                <a:latin typeface="Arial" panose="020B0604020202020204" pitchFamily="34" charset="0"/>
+              <a:rPr lang="en-US" sz="6000" dirty="0" err="1" smtClean="0">
+                <a:latin typeface="Heveltica Bold"/>
                 <a:cs typeface="Arial" panose="020B0604020202020204" pitchFamily="34" charset="0"/>
               </a:rPr>
               <a:t>autonômos</a:t>
             </a:r>
             <a:r>
-              <a:rPr lang="en-US" sz="6589" dirty="0" smtClean="0">
-                <a:latin typeface="Arial" panose="020B0604020202020204" pitchFamily="34" charset="0"/>
+              <a:rPr lang="en-US" sz="6000" dirty="0" smtClean="0">
+                <a:latin typeface="Heveltica Bold"/>
+                <a:cs typeface="Arial" panose="020B0604020202020204" pitchFamily="34" charset="0"/>
+              </a:rPr>
+              <a:t> e </a:t>
+            </a:r>
+            <a:r>
+              <a:rPr lang="en-US" sz="6000" dirty="0" err="1" smtClean="0">
+                <a:latin typeface="Heveltica Bold"/>
+                <a:cs typeface="Arial" panose="020B0604020202020204" pitchFamily="34" charset="0"/>
+              </a:rPr>
+              <a:t>gerentes</a:t>
+            </a:r>
+            <a:r>
+              <a:rPr lang="en-US" sz="6000" dirty="0" smtClean="0">
+                <a:latin typeface="Heveltica Bold"/>
+                <a:cs typeface="Arial" panose="020B0604020202020204" pitchFamily="34" charset="0"/>
+              </a:rPr>
+              <a:t> de </a:t>
+            </a:r>
+            <a:r>
+              <a:rPr lang="en-US" sz="6000" dirty="0" err="1" smtClean="0">
+                <a:latin typeface="Heveltica Bold"/>
+                <a:cs typeface="Arial" panose="020B0604020202020204" pitchFamily="34" charset="0"/>
+              </a:rPr>
+              <a:t>equipe</a:t>
+            </a:r>
+            <a:r>
+              <a:rPr lang="en-US" sz="6000" dirty="0" smtClean="0">
+                <a:latin typeface="Heveltica Bold"/>
                 <a:cs typeface="Arial" panose="020B0604020202020204" pitchFamily="34" charset="0"/>
               </a:rPr>
               <a:t> </a:t>
             </a:r>
             <a:r>
-              <a:rPr lang="en-US" sz="6589" dirty="0" smtClean="0">
-                <a:latin typeface="Arial" panose="020B0604020202020204" pitchFamily="34" charset="0"/>
-                <a:cs typeface="Arial" panose="020B0604020202020204" pitchFamily="34" charset="0"/>
-              </a:rPr>
-              <a:t>e </a:t>
-            </a:r>
-            <a:r>
-              <a:rPr lang="en-US" sz="6589" dirty="0" err="1" smtClean="0">
-                <a:latin typeface="Arial" panose="020B0604020202020204" pitchFamily="34" charset="0"/>
-                <a:cs typeface="Arial" panose="020B0604020202020204" pitchFamily="34" charset="0"/>
-              </a:rPr>
-              <a:t>gerentes</a:t>
-            </a:r>
-            <a:r>
-              <a:rPr lang="en-US" sz="6589" dirty="0" smtClean="0">
-                <a:latin typeface="Arial" panose="020B0604020202020204" pitchFamily="34" charset="0"/>
-                <a:cs typeface="Arial" panose="020B0604020202020204" pitchFamily="34" charset="0"/>
-              </a:rPr>
-              <a:t> de </a:t>
-            </a:r>
-            <a:r>
-              <a:rPr lang="en-US" sz="6589" dirty="0" err="1" smtClean="0">
-                <a:latin typeface="Arial" panose="020B0604020202020204" pitchFamily="34" charset="0"/>
-                <a:cs typeface="Arial" panose="020B0604020202020204" pitchFamily="34" charset="0"/>
-              </a:rPr>
-              <a:t>equipe</a:t>
-            </a:r>
-            <a:r>
-              <a:rPr lang="en-US" sz="6589" dirty="0" smtClean="0">
-                <a:latin typeface="Arial" panose="020B0604020202020204" pitchFamily="34" charset="0"/>
+              <a:rPr lang="en-US" sz="6000" dirty="0" err="1" smtClean="0">
+                <a:latin typeface="Heveltica Bold"/>
+                <a:cs typeface="Arial" panose="020B0604020202020204" pitchFamily="34" charset="0"/>
+              </a:rPr>
+              <a:t>sentem</a:t>
+            </a:r>
+            <a:r>
+              <a:rPr lang="en-US" sz="6000" dirty="0" smtClean="0">
+                <a:latin typeface="Heveltica Bold"/>
                 <a:cs typeface="Arial" panose="020B0604020202020204" pitchFamily="34" charset="0"/>
               </a:rPr>
               <a:t> </a:t>
             </a:r>
             <a:r>
-              <a:rPr lang="en-US" sz="6589" dirty="0" err="1" smtClean="0">
-                <a:latin typeface="Arial" panose="020B0604020202020204" pitchFamily="34" charset="0"/>
-                <a:cs typeface="Arial" panose="020B0604020202020204" pitchFamily="34" charset="0"/>
-              </a:rPr>
-              <a:t>sentem</a:t>
-            </a:r>
-            <a:r>
-              <a:rPr lang="en-US" sz="6589" dirty="0" smtClean="0">
-                <a:latin typeface="Arial" panose="020B0604020202020204" pitchFamily="34" charset="0"/>
+              <a:rPr lang="en-US" sz="6000" dirty="0" err="1" smtClean="0">
+                <a:latin typeface="Heveltica Bold"/>
+                <a:cs typeface="Arial" panose="020B0604020202020204" pitchFamily="34" charset="0"/>
+              </a:rPr>
+              <a:t>uma</a:t>
+            </a:r>
+            <a:r>
+              <a:rPr lang="en-US" sz="6000" dirty="0" smtClean="0">
+                <a:latin typeface="Heveltica Bold"/>
                 <a:cs typeface="Arial" panose="020B0604020202020204" pitchFamily="34" charset="0"/>
               </a:rPr>
               <a:t> </a:t>
             </a:r>
             <a:r>
-              <a:rPr lang="en-US" sz="6589" dirty="0" err="1" smtClean="0">
-                <a:latin typeface="Arial" panose="020B0604020202020204" pitchFamily="34" charset="0"/>
-                <a:cs typeface="Arial" panose="020B0604020202020204" pitchFamily="34" charset="0"/>
-              </a:rPr>
-              <a:t>uma</a:t>
-            </a:r>
-            <a:r>
-              <a:rPr lang="en-US" sz="6589" dirty="0" smtClean="0">
-                <a:latin typeface="Arial" panose="020B0604020202020204" pitchFamily="34" charset="0"/>
+              <a:rPr lang="en-US" sz="6000" dirty="0" err="1" smtClean="0">
+                <a:latin typeface="Heveltica Bold"/>
+                <a:cs typeface="Arial" panose="020B0604020202020204" pitchFamily="34" charset="0"/>
+              </a:rPr>
+              <a:t>grande</a:t>
+            </a:r>
+            <a:r>
+              <a:rPr lang="en-US" sz="6000" dirty="0" smtClean="0">
+                <a:latin typeface="Heveltica Bold"/>
                 <a:cs typeface="Arial" panose="020B0604020202020204" pitchFamily="34" charset="0"/>
               </a:rPr>
               <a:t> </a:t>
             </a:r>
             <a:r>
-              <a:rPr lang="en-US" sz="6589" dirty="0" err="1" smtClean="0">
-                <a:latin typeface="Arial" panose="020B0604020202020204" pitchFamily="34" charset="0"/>
-                <a:cs typeface="Arial" panose="020B0604020202020204" pitchFamily="34" charset="0"/>
-              </a:rPr>
-              <a:t>grande</a:t>
-            </a:r>
-            <a:r>
-              <a:rPr lang="en-US" sz="6589" dirty="0" smtClean="0">
-                <a:latin typeface="Arial" panose="020B0604020202020204" pitchFamily="34" charset="0"/>
+              <a:rPr lang="en-US" sz="6000" dirty="0" err="1" smtClean="0">
+                <a:latin typeface="Heveltica Bold"/>
+                <a:cs typeface="Arial" panose="020B0604020202020204" pitchFamily="34" charset="0"/>
+              </a:rPr>
+              <a:t>dificuldade</a:t>
+            </a:r>
+            <a:r>
+              <a:rPr lang="en-US" sz="6000" dirty="0" smtClean="0">
+                <a:latin typeface="Heveltica Bold"/>
                 <a:cs typeface="Arial" panose="020B0604020202020204" pitchFamily="34" charset="0"/>
               </a:rPr>
               <a:t> </a:t>
             </a:r>
             <a:r>
-              <a:rPr lang="en-US" sz="6589" dirty="0" err="1" smtClean="0">
-                <a:latin typeface="Arial" panose="020B0604020202020204" pitchFamily="34" charset="0"/>
-                <a:cs typeface="Arial" panose="020B0604020202020204" pitchFamily="34" charset="0"/>
-              </a:rPr>
-              <a:t>dificuldade</a:t>
-            </a:r>
-            <a:r>
-              <a:rPr lang="en-US" sz="6589" dirty="0" smtClean="0">
-                <a:latin typeface="Arial" panose="020B0604020202020204" pitchFamily="34" charset="0"/>
+              <a:rPr lang="en-US" sz="6000" dirty="0" err="1" smtClean="0">
+                <a:latin typeface="Heveltica Bold"/>
+                <a:cs typeface="Arial" panose="020B0604020202020204" pitchFamily="34" charset="0"/>
+              </a:rPr>
+              <a:t>em</a:t>
+            </a:r>
+            <a:r>
+              <a:rPr lang="en-US" sz="6000" dirty="0" smtClean="0">
+                <a:latin typeface="Heveltica Bold"/>
                 <a:cs typeface="Arial" panose="020B0604020202020204" pitchFamily="34" charset="0"/>
               </a:rPr>
               <a:t> </a:t>
             </a:r>
             <a:r>
-              <a:rPr lang="en-US" sz="6589" dirty="0" err="1" smtClean="0">
-                <a:latin typeface="Arial" panose="020B0604020202020204" pitchFamily="34" charset="0"/>
-                <a:cs typeface="Arial" panose="020B0604020202020204" pitchFamily="34" charset="0"/>
-              </a:rPr>
-              <a:t>em</a:t>
-            </a:r>
-            <a:r>
-              <a:rPr lang="en-US" sz="6589" dirty="0" smtClean="0">
-                <a:latin typeface="Arial" panose="020B0604020202020204" pitchFamily="34" charset="0"/>
+              <a:rPr lang="en-US" sz="6000" dirty="0" err="1" smtClean="0">
+                <a:latin typeface="Heveltica Bold"/>
+                <a:cs typeface="Arial" panose="020B0604020202020204" pitchFamily="34" charset="0"/>
+              </a:rPr>
+              <a:t>gerenciar</a:t>
+            </a:r>
+            <a:r>
+              <a:rPr lang="en-US" sz="6000" dirty="0" smtClean="0">
+                <a:latin typeface="Heveltica Bold"/>
                 <a:cs typeface="Arial" panose="020B0604020202020204" pitchFamily="34" charset="0"/>
               </a:rPr>
               <a:t> </a:t>
             </a:r>
             <a:r>
-              <a:rPr lang="en-US" sz="6589" dirty="0" err="1" smtClean="0">
-                <a:latin typeface="Arial" panose="020B0604020202020204" pitchFamily="34" charset="0"/>
-                <a:cs typeface="Arial" panose="020B0604020202020204" pitchFamily="34" charset="0"/>
-              </a:rPr>
-              <a:t>gerenciar</a:t>
-            </a:r>
-            <a:r>
-              <a:rPr lang="en-US" sz="6589" dirty="0" smtClean="0">
-                <a:latin typeface="Arial" panose="020B0604020202020204" pitchFamily="34" charset="0"/>
+              <a:rPr lang="en-US" sz="6000" dirty="0" err="1" smtClean="0">
+                <a:latin typeface="Heveltica Bold"/>
+                <a:cs typeface="Arial" panose="020B0604020202020204" pitchFamily="34" charset="0"/>
+              </a:rPr>
+              <a:t>tanta</a:t>
+            </a:r>
+            <a:r>
+              <a:rPr lang="en-US" sz="6000" dirty="0" smtClean="0">
+                <a:latin typeface="Heveltica Bold"/>
                 <a:cs typeface="Arial" panose="020B0604020202020204" pitchFamily="34" charset="0"/>
               </a:rPr>
               <a:t> </a:t>
             </a:r>
             <a:r>
-              <a:rPr lang="en-US" sz="6589" dirty="0" err="1" smtClean="0">
-                <a:latin typeface="Arial" panose="020B0604020202020204" pitchFamily="34" charset="0"/>
-                <a:cs typeface="Arial" panose="020B0604020202020204" pitchFamily="34" charset="0"/>
-              </a:rPr>
-              <a:t>tanta</a:t>
-            </a:r>
-            <a:r>
-              <a:rPr lang="en-US" sz="6589" dirty="0" smtClean="0">
-                <a:latin typeface="Arial" panose="020B0604020202020204" pitchFamily="34" charset="0"/>
+              <a:rPr lang="en-US" sz="6000" dirty="0" err="1" smtClean="0">
+                <a:latin typeface="Heveltica Bold"/>
+                <a:cs typeface="Arial" panose="020B0604020202020204" pitchFamily="34" charset="0"/>
+              </a:rPr>
+              <a:t>informação</a:t>
+            </a:r>
+            <a:r>
+              <a:rPr lang="en-US" sz="6000" dirty="0" smtClean="0">
+                <a:latin typeface="Heveltica Bold"/>
                 <a:cs typeface="Arial" panose="020B0604020202020204" pitchFamily="34" charset="0"/>
               </a:rPr>
               <a:t> </a:t>
             </a:r>
             <a:r>
-              <a:rPr lang="en-US" sz="6589" dirty="0" err="1" smtClean="0">
-                <a:latin typeface="Arial" panose="020B0604020202020204" pitchFamily="34" charset="0"/>
-                <a:cs typeface="Arial" panose="020B0604020202020204" pitchFamily="34" charset="0"/>
-              </a:rPr>
-              <a:t>informação</a:t>
-            </a:r>
-            <a:r>
-              <a:rPr lang="en-US" sz="6589" dirty="0" smtClean="0">
-                <a:latin typeface="Arial" panose="020B0604020202020204" pitchFamily="34" charset="0"/>
+              <a:rPr lang="en-US" sz="6000" dirty="0" err="1" smtClean="0">
+                <a:latin typeface="Heveltica Bold"/>
+                <a:cs typeface="Arial" panose="020B0604020202020204" pitchFamily="34" charset="0"/>
+              </a:rPr>
+              <a:t>sem</a:t>
+            </a:r>
+            <a:r>
+              <a:rPr lang="en-US" sz="6000" dirty="0" smtClean="0">
+                <a:latin typeface="Heveltica Bold"/>
+                <a:cs typeface="Arial" panose="020B0604020202020204" pitchFamily="34" charset="0"/>
+              </a:rPr>
+              <a:t> um </a:t>
+            </a:r>
+            <a:r>
+              <a:rPr lang="en-US" sz="6000" dirty="0" err="1">
+                <a:latin typeface="Heveltica Bold"/>
+                <a:cs typeface="Arial" panose="020B0604020202020204" pitchFamily="34" charset="0"/>
+              </a:rPr>
+              <a:t>s</a:t>
+            </a:r>
+            <a:r>
+              <a:rPr lang="en-US" sz="6000" dirty="0" err="1" smtClean="0">
+                <a:latin typeface="Heveltica Bold"/>
+                <a:cs typeface="Arial" panose="020B0604020202020204" pitchFamily="34" charset="0"/>
+              </a:rPr>
+              <a:t>istema</a:t>
+            </a:r>
+            <a:r>
+              <a:rPr lang="en-US" sz="6000" dirty="0" smtClean="0">
+                <a:latin typeface="Heveltica Bold"/>
+                <a:cs typeface="Arial" panose="020B0604020202020204" pitchFamily="34" charset="0"/>
+              </a:rPr>
+              <a:t> simples e digital </a:t>
+            </a:r>
+            <a:r>
+              <a:rPr lang="en-US" sz="6000" dirty="0" err="1" smtClean="0">
+                <a:latin typeface="Heveltica Bold"/>
+                <a:cs typeface="Arial" panose="020B0604020202020204" pitchFamily="34" charset="0"/>
+              </a:rPr>
+              <a:t>que</a:t>
+            </a:r>
+            <a:r>
+              <a:rPr lang="en-US" sz="6000" dirty="0" smtClean="0">
+                <a:latin typeface="Heveltica Bold"/>
                 <a:cs typeface="Arial" panose="020B0604020202020204" pitchFamily="34" charset="0"/>
               </a:rPr>
               <a:t> </a:t>
             </a:r>
             <a:r>
-              <a:rPr lang="en-US" sz="6589" dirty="0" err="1" smtClean="0">
-                <a:latin typeface="Arial" panose="020B0604020202020204" pitchFamily="34" charset="0"/>
-                <a:cs typeface="Arial" panose="020B0604020202020204" pitchFamily="34" charset="0"/>
-              </a:rPr>
-              <a:t>sem</a:t>
-            </a:r>
-            <a:r>
-              <a:rPr lang="en-US" sz="6589" dirty="0" smtClean="0">
-                <a:latin typeface="Arial" panose="020B0604020202020204" pitchFamily="34" charset="0"/>
-                <a:cs typeface="Arial" panose="020B0604020202020204" pitchFamily="34" charset="0"/>
-              </a:rPr>
-              <a:t> um </a:t>
-            </a:r>
-            <a:r>
-              <a:rPr lang="en-US" sz="6589" dirty="0" err="1">
-                <a:latin typeface="Arial" panose="020B0604020202020204" pitchFamily="34" charset="0"/>
-                <a:cs typeface="Arial" panose="020B0604020202020204" pitchFamily="34" charset="0"/>
-              </a:rPr>
-              <a:t>s</a:t>
-            </a:r>
-            <a:r>
-              <a:rPr lang="en-US" sz="6589" dirty="0" err="1" smtClean="0">
-                <a:latin typeface="Arial" panose="020B0604020202020204" pitchFamily="34" charset="0"/>
-                <a:cs typeface="Arial" panose="020B0604020202020204" pitchFamily="34" charset="0"/>
-              </a:rPr>
-              <a:t>istema</a:t>
-            </a:r>
-            <a:r>
-              <a:rPr lang="en-US" sz="6589" dirty="0" smtClean="0">
-                <a:latin typeface="Arial" panose="020B0604020202020204" pitchFamily="34" charset="0"/>
-                <a:cs typeface="Arial" panose="020B0604020202020204" pitchFamily="34" charset="0"/>
-              </a:rPr>
-              <a:t> simples e digital </a:t>
-            </a:r>
-            <a:r>
-              <a:rPr lang="en-US" sz="6589" dirty="0" err="1" smtClean="0">
-                <a:latin typeface="Arial" panose="020B0604020202020204" pitchFamily="34" charset="0"/>
-                <a:cs typeface="Arial" panose="020B0604020202020204" pitchFamily="34" charset="0"/>
-              </a:rPr>
-              <a:t>que</a:t>
-            </a:r>
-            <a:r>
-              <a:rPr lang="en-US" sz="6589" dirty="0" smtClean="0">
-                <a:latin typeface="Arial" panose="020B0604020202020204" pitchFamily="34" charset="0"/>
+              <a:rPr lang="en-US" sz="6000" dirty="0" err="1" smtClean="0">
+                <a:latin typeface="Heveltica Bold"/>
+                <a:cs typeface="Arial" panose="020B0604020202020204" pitchFamily="34" charset="0"/>
+              </a:rPr>
+              <a:t>facilite</a:t>
+            </a:r>
+            <a:r>
+              <a:rPr lang="en-US" sz="6000" dirty="0" smtClean="0">
+                <a:latin typeface="Heveltica Bold"/>
                 <a:cs typeface="Arial" panose="020B0604020202020204" pitchFamily="34" charset="0"/>
               </a:rPr>
               <a:t> </a:t>
             </a:r>
             <a:r>
-              <a:rPr lang="en-US" sz="6589" dirty="0" err="1" smtClean="0">
-                <a:latin typeface="Arial" panose="020B0604020202020204" pitchFamily="34" charset="0"/>
-                <a:cs typeface="Arial" panose="020B0604020202020204" pitchFamily="34" charset="0"/>
-              </a:rPr>
-              <a:t>facilite</a:t>
-            </a:r>
-            <a:r>
-              <a:rPr lang="en-US" sz="6589" dirty="0" smtClean="0">
-                <a:latin typeface="Arial" panose="020B0604020202020204" pitchFamily="34" charset="0"/>
-                <a:cs typeface="Arial" panose="020B0604020202020204" pitchFamily="34" charset="0"/>
-              </a:rPr>
-              <a:t> </a:t>
-            </a:r>
-            <a:r>
-              <a:rPr lang="en-US" sz="6589" dirty="0" err="1" smtClean="0">
-                <a:latin typeface="Arial" panose="020B0604020202020204" pitchFamily="34" charset="0"/>
+              <a:rPr lang="en-US" sz="6000" dirty="0" err="1" smtClean="0">
+                <a:latin typeface="Heveltica Bold"/>
                 <a:cs typeface="Arial" panose="020B0604020202020204" pitchFamily="34" charset="0"/>
               </a:rPr>
               <a:t>todo</a:t>
             </a:r>
             <a:r>
-              <a:rPr lang="en-US" sz="6589" dirty="0" smtClean="0">
-                <a:latin typeface="Arial" panose="020B0604020202020204" pitchFamily="34" charset="0"/>
+              <a:rPr lang="en-US" sz="6000" dirty="0" smtClean="0">
+                <a:latin typeface="Heveltica Bold"/>
                 <a:cs typeface="Arial" panose="020B0604020202020204" pitchFamily="34" charset="0"/>
               </a:rPr>
               <a:t> o </a:t>
             </a:r>
             <a:r>
-              <a:rPr lang="en-US" sz="6589" dirty="0" err="1" smtClean="0">
-                <a:latin typeface="Arial" panose="020B0604020202020204" pitchFamily="34" charset="0"/>
+              <a:rPr lang="en-US" sz="6000" dirty="0" err="1" smtClean="0">
+                <a:latin typeface="Heveltica Bold"/>
                 <a:cs typeface="Arial" panose="020B0604020202020204" pitchFamily="34" charset="0"/>
               </a:rPr>
               <a:t>armazenamento</a:t>
             </a:r>
             <a:r>
-              <a:rPr lang="en-US" sz="6589" dirty="0" smtClean="0">
-                <a:latin typeface="Arial" panose="020B0604020202020204" pitchFamily="34" charset="0"/>
+              <a:rPr lang="en-US" sz="6000" dirty="0" smtClean="0">
+                <a:latin typeface="Heveltica Bold"/>
                 <a:cs typeface="Arial" panose="020B0604020202020204" pitchFamily="34" charset="0"/>
               </a:rPr>
               <a:t> e a </a:t>
             </a:r>
             <a:r>
-              <a:rPr lang="en-US" sz="6589" dirty="0" err="1" smtClean="0">
-                <a:latin typeface="Arial" panose="020B0604020202020204" pitchFamily="34" charset="0"/>
+              <a:rPr lang="en-US" sz="6000" dirty="0" err="1" smtClean="0">
+                <a:latin typeface="Heveltica Bold"/>
                 <a:cs typeface="Arial" panose="020B0604020202020204" pitchFamily="34" charset="0"/>
               </a:rPr>
               <a:t>organização</a:t>
             </a:r>
             <a:r>
-              <a:rPr lang="en-US" sz="6589" dirty="0" smtClean="0">
-                <a:latin typeface="Arial" panose="020B0604020202020204" pitchFamily="34" charset="0"/>
+              <a:rPr lang="en-US" sz="6000" dirty="0" smtClean="0">
+                <a:latin typeface="Heveltica Bold"/>
                 <a:cs typeface="Arial" panose="020B0604020202020204" pitchFamily="34" charset="0"/>
               </a:rPr>
               <a:t> dos dados.</a:t>
             </a:r>
-            <a:endParaRPr lang="en-US" sz="6589" dirty="0">
-              <a:latin typeface="Arial" panose="020B0604020202020204" pitchFamily="34" charset="0"/>
+            <a:endParaRPr lang="en-US" sz="6000" dirty="0">
+              <a:latin typeface="Heveltica Bold"/>
               <a:cs typeface="Arial" panose="020B0604020202020204" pitchFamily="34" charset="0"/>
             </a:endParaRPr>
           </a:p>
@@ -4033,7 +4070,7 @@
           <p:cNvPr id="13" name="CaixaDeTexto 12">
             <a:extLst>
               <a:ext uri="{FF2B5EF4-FFF2-40B4-BE49-F238E27FC236}">
-                <a16:creationId xmlns="" xmlns:a16="http://schemas.microsoft.com/office/drawing/2014/main" id="{5B499639-C1B8-4B52-97DC-E9AFE45CE409}"/>
+                <a16:creationId xmlns:a16="http://schemas.microsoft.com/office/drawing/2014/main" xmlns="" id="{5B499639-C1B8-4B52-97DC-E9AFE45CE409}"/>
               </a:ext>
             </a:extLst>
           </p:cNvPr>
@@ -4080,7 +4117,7 @@
           <p:cNvPr id="14" name="Retângulo 13">
             <a:extLst>
               <a:ext uri="{FF2B5EF4-FFF2-40B4-BE49-F238E27FC236}">
-                <a16:creationId xmlns="" xmlns:a16="http://schemas.microsoft.com/office/drawing/2014/main" id="{3EEF645F-EDD5-4B47-8B92-F4A316D25AB6}"/>
+                <a16:creationId xmlns:a16="http://schemas.microsoft.com/office/drawing/2014/main" xmlns="" id="{3EEF645F-EDD5-4B47-8B92-F4A316D25AB6}"/>
               </a:ext>
             </a:extLst>
           </p:cNvPr>
@@ -4132,7 +4169,7 @@
           <p:cNvPr id="15" name="Imagem 14">
             <a:extLst>
               <a:ext uri="{FF2B5EF4-FFF2-40B4-BE49-F238E27FC236}">
-                <a16:creationId xmlns="" xmlns:a16="http://schemas.microsoft.com/office/drawing/2014/main" id="{F5B78F66-DE9B-4FDD-8076-7EFA2577F7A3}"/>
+                <a16:creationId xmlns:a16="http://schemas.microsoft.com/office/drawing/2014/main" xmlns="" id="{F5B78F66-DE9B-4FDD-8076-7EFA2577F7A3}"/>
               </a:ext>
             </a:extLst>
           </p:cNvPr>
@@ -4156,67 +4193,12 @@
           </a:prstGeom>
         </p:spPr>
       </p:pic>
-      <p:sp>
-        <p:nvSpPr>
-          <p:cNvPr id="16" name="CaixaDeTexto 15">
-            <a:extLst>
-              <a:ext uri="{FF2B5EF4-FFF2-40B4-BE49-F238E27FC236}">
-                <a16:creationId xmlns="" xmlns:a16="http://schemas.microsoft.com/office/drawing/2014/main" id="{615DBC40-A1D0-4CD8-8D7F-FC5E442BA007}"/>
-              </a:ext>
-            </a:extLst>
-          </p:cNvPr>
-          <p:cNvSpPr txBox="1"/>
-          <p:nvPr/>
-        </p:nvSpPr>
-        <p:spPr>
-          <a:xfrm>
-            <a:off x="24337057" y="40258750"/>
-            <a:ext cx="13401636" cy="1754326"/>
-          </a:xfrm>
-          <a:prstGeom prst="rect">
-            <a:avLst/>
-          </a:prstGeom>
-          <a:noFill/>
-        </p:spPr>
-        <p:txBody>
-          <a:bodyPr wrap="square" rtlCol="0">
-            <a:spAutoFit/>
-          </a:bodyPr>
-          <a:lstStyle/>
-          <a:p>
-            <a:r>
-              <a:rPr lang="pt-BR" sz="3700" b="1" dirty="0">
-                <a:solidFill>
-                  <a:schemeClr val="bg1"/>
-                </a:solidFill>
-                <a:latin typeface="Verdana" panose="020B0604030504040204" pitchFamily="34" charset="0"/>
-                <a:ea typeface="Verdana" panose="020B0604030504040204" pitchFamily="34" charset="0"/>
-                <a:cs typeface="Arial" panose="020B0604020202020204" pitchFamily="34" charset="0"/>
-              </a:rPr>
-              <a:t>GOVERNO DO ESTADO</a:t>
-            </a:r>
-          </a:p>
-          <a:p>
-            <a:r>
-              <a:rPr lang="pt-BR" sz="7200" b="1" dirty="0">
-                <a:solidFill>
-                  <a:schemeClr val="bg1"/>
-                </a:solidFill>
-                <a:latin typeface="Verdana" panose="020B0604030504040204" pitchFamily="34" charset="0"/>
-                <a:ea typeface="Verdana" panose="020B0604030504040204" pitchFamily="34" charset="0"/>
-                <a:cs typeface="Arial" panose="020B0604020202020204" pitchFamily="34" charset="0"/>
-              </a:rPr>
-              <a:t>SÃO PAULO</a:t>
-            </a:r>
-          </a:p>
-        </p:txBody>
-      </p:sp>
       <p:graphicFrame>
         <p:nvGraphicFramePr>
           <p:cNvPr id="17" name="Tabela 16">
             <a:extLst>
               <a:ext uri="{FF2B5EF4-FFF2-40B4-BE49-F238E27FC236}">
-                <a16:creationId xmlns="" xmlns:a16="http://schemas.microsoft.com/office/drawing/2014/main" id="{EFE6A881-641C-44B5-B607-BCB8861FFD38}"/>
+                <a16:creationId xmlns:a16="http://schemas.microsoft.com/office/drawing/2014/main" xmlns="" id="{EFE6A881-641C-44B5-B607-BCB8861FFD38}"/>
               </a:ext>
             </a:extLst>
           </p:cNvPr>
@@ -4226,7 +4208,7 @@
           <p:nvPr>
             <p:extLst>
               <p:ext uri="{D42A27DB-BD31-4B8C-83A1-F6EECF244321}">
-                <p14:modId xmlns:p14="http://schemas.microsoft.com/office/powerpoint/2010/main" val="4193376868"/>
+                <p14:modId xmlns:p14="http://schemas.microsoft.com/office/powerpoint/2010/main" val="3958731589"/>
               </p:ext>
             </p:extLst>
           </p:nvPr>
@@ -4245,7 +4227,7 @@
                 <a:gridCol w="31469058">
                   <a:extLst>
                     <a:ext uri="{9D8B030D-6E8A-4147-A177-3AD203B41FA5}">
-                      <a16:colId xmlns="" xmlns:a16="http://schemas.microsoft.com/office/drawing/2014/main" val="20000"/>
+                      <a16:colId xmlns:a16="http://schemas.microsoft.com/office/drawing/2014/main" xmlns="" val="20000"/>
                     </a:ext>
                   </a:extLst>
                 </a:gridCol>
@@ -4261,19 +4243,25 @@
                         <a:rPr lang="pt-BR" sz="8500" dirty="0" smtClean="0">
                           <a:latin typeface="Heveltica Bold"/>
                         </a:rPr>
-                        <a:t>Feitosa</a:t>
+                        <a:t>FEITOSA </a:t>
                       </a:r>
                       <a:r>
                         <a:rPr lang="pt-BR" sz="8500" baseline="0" dirty="0" smtClean="0">
                           <a:latin typeface="Heveltica Bold"/>
                         </a:rPr>
-                        <a:t> J</a:t>
+                        <a:t>J</a:t>
                       </a:r>
                       <a:r>
                         <a:rPr lang="pt-BR" sz="8500" dirty="0" smtClean="0">
                           <a:latin typeface="Heveltica Bold"/>
                         </a:rPr>
-                        <a:t>r., Fábio</a:t>
+                        <a:t>r</a:t>
+                      </a:r>
+                      <a:r>
+                        <a:rPr lang="pt-BR" sz="8500" dirty="0" smtClean="0">
+                          <a:latin typeface="Heveltica Bold"/>
+                        </a:rPr>
+                        <a:t>., Fábio</a:t>
                       </a:r>
                       <a:endParaRPr lang="pt-BR" sz="8500" dirty="0">
                         <a:latin typeface="Heveltica Bold"/>
@@ -4306,7 +4294,7 @@
                 </a:tc>
                 <a:extLst>
                   <a:ext uri="{0D108BD9-81ED-4DB2-BD59-A6C34878D82A}">
-                    <a16:rowId xmlns="" xmlns:a16="http://schemas.microsoft.com/office/drawing/2014/main" val="10000"/>
+                    <a16:rowId xmlns:a16="http://schemas.microsoft.com/office/drawing/2014/main" xmlns="" val="10000"/>
                   </a:ext>
                 </a:extLst>
               </a:tr>
@@ -4319,7 +4307,7 @@
           <p:cNvPr id="18" name="CaixaDeTexto 17">
             <a:extLst>
               <a:ext uri="{FF2B5EF4-FFF2-40B4-BE49-F238E27FC236}">
-                <a16:creationId xmlns="" xmlns:a16="http://schemas.microsoft.com/office/drawing/2014/main" id="{E7B5BA4F-C2AC-4E53-8B22-73F74383B184}"/>
+                <a16:creationId xmlns:a16="http://schemas.microsoft.com/office/drawing/2014/main" xmlns="" id="{E7B5BA4F-C2AC-4E53-8B22-73F74383B184}"/>
               </a:ext>
             </a:extLst>
           </p:cNvPr>
@@ -4329,7 +4317,7 @@
         <p:spPr>
           <a:xfrm>
             <a:off x="16792708" y="15265907"/>
-            <a:ext cx="13370885" cy="6184642"/>
+            <a:ext cx="13370885" cy="6646307"/>
           </a:xfrm>
           <a:prstGeom prst="rect">
             <a:avLst/>
@@ -4348,7 +4336,7 @@
                 <a:solidFill>
                   <a:srgbClr val="C00000"/>
                 </a:solidFill>
-                <a:latin typeface="Arial" panose="020B0604020202020204" pitchFamily="34" charset="0"/>
+                <a:latin typeface="Heveltica Bold"/>
                 <a:cs typeface="Arial" panose="020B0604020202020204" pitchFamily="34" charset="0"/>
               </a:rPr>
               <a:t>Referências</a:t>
@@ -4357,61 +4345,176 @@
               <a:solidFill>
                 <a:srgbClr val="C00000"/>
               </a:solidFill>
-              <a:latin typeface="Arial" panose="020B0604020202020204" pitchFamily="34" charset="0"/>
+              <a:latin typeface="Heveltica Bold"/>
               <a:cs typeface="Arial" panose="020B0604020202020204" pitchFamily="34" charset="0"/>
             </a:endParaRPr>
           </a:p>
           <a:p>
             <a:pPr algn="just"/>
             <a:r>
-              <a:rPr lang="pt-BR" sz="6600" dirty="0" err="1"/>
+              <a:rPr lang="pt-BR" sz="6000" b="1" dirty="0" err="1">
+                <a:latin typeface="Heveltica Bold"/>
+              </a:rPr>
               <a:t>Duckett</a:t>
             </a:r>
             <a:r>
-              <a:rPr lang="pt-BR" sz="6600" dirty="0"/>
-              <a:t>, J. (2015). </a:t>
-            </a:r>
-            <a:r>
-              <a:rPr lang="pt-BR" sz="6600" i="1" dirty="0"/>
-              <a:t>HTML e CSS - Projete e Construa Websites.</a:t>
-            </a:r>
-            <a:r>
-              <a:rPr lang="pt-BR" sz="6600" dirty="0"/>
-              <a:t> Alta </a:t>
-            </a:r>
-            <a:r>
-              <a:rPr lang="pt-BR" sz="6600" dirty="0" smtClean="0"/>
-              <a:t>Books; </a:t>
-            </a:r>
-            <a:r>
-              <a:rPr lang="pt-BR" sz="6600" dirty="0" err="1" smtClean="0"/>
+              <a:rPr lang="pt-BR" sz="6000" dirty="0">
+                <a:latin typeface="Heveltica Bold"/>
+              </a:rPr>
+              <a:t>, </a:t>
+            </a:r>
+            <a:r>
+              <a:rPr lang="pt-BR" sz="6000" dirty="0" smtClean="0">
+                <a:latin typeface="Heveltica Bold"/>
+              </a:rPr>
+              <a:t>Jon. HTML </a:t>
+            </a:r>
+            <a:r>
+              <a:rPr lang="pt-BR" sz="6000" dirty="0">
+                <a:latin typeface="Heveltica Bold"/>
+              </a:rPr>
+              <a:t>e CSS - Projete e Construa Websites</a:t>
+            </a:r>
+            <a:r>
+              <a:rPr lang="pt-BR" sz="6000" i="1" dirty="0" smtClean="0">
+                <a:latin typeface="Heveltica Bold"/>
+              </a:rPr>
+              <a:t>. </a:t>
+            </a:r>
+            <a:r>
+              <a:rPr lang="pt-BR" sz="6000" dirty="0" smtClean="0">
+                <a:latin typeface="Heveltica Bold"/>
+              </a:rPr>
+              <a:t>Rio de Janeiro, </a:t>
+            </a:r>
+            <a:r>
+              <a:rPr lang="pt-BR" sz="6000" i="1" dirty="0" smtClean="0">
+                <a:latin typeface="Heveltica Bold"/>
+              </a:rPr>
+              <a:t> </a:t>
+            </a:r>
+            <a:r>
+              <a:rPr lang="pt-BR" sz="6000" dirty="0" smtClean="0">
+                <a:latin typeface="Heveltica Bold"/>
+              </a:rPr>
+              <a:t>Editora</a:t>
+            </a:r>
+            <a:r>
+              <a:rPr lang="pt-BR" sz="6000" dirty="0" smtClean="0">
+                <a:latin typeface="Heveltica Bold"/>
+              </a:rPr>
+              <a:t> </a:t>
+            </a:r>
+            <a:r>
+              <a:rPr lang="pt-BR" sz="6000" dirty="0">
+                <a:latin typeface="Heveltica Bold"/>
+              </a:rPr>
+              <a:t>Alta </a:t>
+            </a:r>
+            <a:r>
+              <a:rPr lang="pt-BR" sz="6000" dirty="0" smtClean="0">
+                <a:latin typeface="Heveltica Bold"/>
+              </a:rPr>
+              <a:t>Books, 2015.</a:t>
+            </a:r>
+          </a:p>
+          <a:p>
+            <a:pPr algn="just"/>
+            <a:r>
+              <a:rPr lang="pt-BR" sz="6000" b="1" dirty="0" err="1" smtClean="0">
+                <a:latin typeface="Heveltica Bold"/>
+              </a:rPr>
               <a:t>Welling</a:t>
             </a:r>
             <a:r>
-              <a:rPr lang="pt-BR" sz="6600" dirty="0"/>
-              <a:t>, L., &amp; Thomson, L. (2005). </a:t>
-            </a:r>
-            <a:r>
-              <a:rPr lang="pt-BR" sz="6600" i="1" dirty="0"/>
-              <a:t>PHP e MySQL - </a:t>
-            </a:r>
-            <a:r>
-              <a:rPr lang="pt-BR" sz="6600" i="1" dirty="0" smtClean="0"/>
+              <a:rPr lang="pt-BR" sz="6000" dirty="0">
+                <a:latin typeface="Heveltica Bold"/>
+              </a:rPr>
+              <a:t>,</a:t>
+            </a:r>
+            <a:r>
+              <a:rPr lang="pt-BR" sz="6000" dirty="0" smtClean="0">
+                <a:latin typeface="Heveltica Bold"/>
+              </a:rPr>
+              <a:t> </a:t>
+            </a:r>
+            <a:r>
+              <a:rPr lang="pt-BR" sz="6000" b="1" dirty="0" smtClean="0">
+                <a:latin typeface="Heveltica Bold"/>
+              </a:rPr>
+              <a:t>Thomson</a:t>
+            </a:r>
+            <a:r>
+              <a:rPr lang="pt-BR" sz="6000" dirty="0" smtClean="0">
+                <a:latin typeface="Heveltica Bold"/>
+              </a:rPr>
+              <a:t>; </a:t>
+            </a:r>
+            <a:r>
+              <a:rPr lang="pt-BR" sz="6000" dirty="0" smtClean="0">
+                <a:latin typeface="Heveltica Bold"/>
+              </a:rPr>
+              <a:t>Luke, Laura. </a:t>
+            </a:r>
+            <a:r>
+              <a:rPr lang="pt-BR" sz="6000" dirty="0">
+                <a:latin typeface="Heveltica Bold"/>
+              </a:rPr>
+              <a:t>PHP e </a:t>
+            </a:r>
+            <a:r>
+              <a:rPr lang="pt-BR" sz="6000" dirty="0" smtClean="0">
+                <a:latin typeface="Heveltica Bold"/>
+              </a:rPr>
+              <a:t>MySQL </a:t>
+            </a:r>
+            <a:r>
+              <a:rPr lang="pt-BR" sz="6000" dirty="0">
+                <a:latin typeface="Heveltica Bold"/>
+              </a:rPr>
+              <a:t>- </a:t>
+            </a:r>
+            <a:r>
+              <a:rPr lang="pt-BR" sz="6000" dirty="0" smtClean="0">
+                <a:latin typeface="Heveltica Bold"/>
+              </a:rPr>
               <a:t>Desenvolvimento </a:t>
             </a:r>
             <a:r>
-              <a:rPr lang="pt-BR" sz="6600" i="1" dirty="0"/>
-              <a:t>Web.</a:t>
-            </a:r>
-            <a:r>
-              <a:rPr lang="pt-BR" sz="6600" dirty="0"/>
-              <a:t> Campus.</a:t>
-            </a:r>
-            <a:endParaRPr lang="en-US" sz="6589" b="1" dirty="0">
+              <a:rPr lang="pt-BR" sz="6000" dirty="0" smtClean="0">
+                <a:latin typeface="Heveltica Bold"/>
+              </a:rPr>
+              <a:t>Web</a:t>
+            </a:r>
+            <a:r>
+              <a:rPr lang="pt-BR" sz="6000" i="1" dirty="0" smtClean="0">
+                <a:latin typeface="Heveltica Bold"/>
+              </a:rPr>
+              <a:t>,</a:t>
+            </a:r>
+            <a:r>
+              <a:rPr lang="pt-BR" sz="6000" dirty="0" smtClean="0">
+                <a:latin typeface="Heveltica Bold"/>
+              </a:rPr>
+              <a:t> Rio de Janeiro, Editora </a:t>
+            </a:r>
+            <a:r>
+              <a:rPr lang="pt-BR" sz="6000" dirty="0" smtClean="0">
+                <a:latin typeface="Heveltica Bold"/>
+              </a:rPr>
+              <a:t>Campus</a:t>
+            </a:r>
+            <a:r>
+              <a:rPr lang="pt-BR" sz="6000" dirty="0">
+                <a:latin typeface="Heveltica Bold"/>
+              </a:rPr>
+              <a:t>, 2005.</a:t>
+            </a:r>
+            <a:endParaRPr lang="en-US" sz="6000" b="1" dirty="0">
               <a:solidFill>
                 <a:srgbClr val="C00000"/>
               </a:solidFill>
-              <a:latin typeface="Arial" panose="020B0604020202020204" pitchFamily="34" charset="0"/>
+              <a:latin typeface="Heveltica Bold"/>
               <a:cs typeface="Arial" panose="020B0604020202020204" pitchFamily="34" charset="0"/>
             </a:endParaRPr>
           </a:p>
@@ -4422,7 +4525,7 @@
           <p:cNvPr id="19" name="CaixaDeTexto 18">
             <a:extLst>
               <a:ext uri="{FF2B5EF4-FFF2-40B4-BE49-F238E27FC236}">
-                <a16:creationId xmlns="" xmlns:a16="http://schemas.microsoft.com/office/drawing/2014/main" id="{EA5FA76C-EC04-4927-AA0A-7B79ADEEA215}"/>
+                <a16:creationId xmlns:a16="http://schemas.microsoft.com/office/drawing/2014/main" xmlns="" id="{EA5FA76C-EC04-4927-AA0A-7B79ADEEA215}"/>
               </a:ext>
             </a:extLst>
           </p:cNvPr>
@@ -4431,8 +4534,8 @@
         </p:nvSpPr>
         <p:spPr>
           <a:xfrm>
-            <a:off x="16792708" y="22102674"/>
-            <a:ext cx="13370885" cy="2120324"/>
+            <a:off x="16792706" y="22784669"/>
+            <a:ext cx="13370885" cy="2029658"/>
           </a:xfrm>
           <a:prstGeom prst="rect">
             <a:avLst/>
@@ -4447,56 +4550,102 @@
           <a:p>
             <a:pPr algn="just"/>
             <a:r>
-              <a:rPr lang="en-US" sz="6589" b="1" dirty="0" err="1">
+              <a:rPr lang="en-US" sz="6589" b="1" dirty="0" err="1" smtClean="0">
                 <a:solidFill>
                   <a:srgbClr val="C00000"/>
                 </a:solidFill>
-                <a:latin typeface="Arial" panose="020B0604020202020204" pitchFamily="34" charset="0"/>
+                <a:latin typeface="Heveltica Bold"/>
                 <a:cs typeface="Arial" panose="020B0604020202020204" pitchFamily="34" charset="0"/>
               </a:rPr>
               <a:t>Orientador</a:t>
             </a:r>
             <a:r>
-              <a:rPr lang="en-US" sz="6589" b="1" dirty="0">
+              <a:rPr lang="en-US" sz="6589" b="1" dirty="0" smtClean="0">
                 <a:solidFill>
                   <a:srgbClr val="C00000"/>
                 </a:solidFill>
-                <a:latin typeface="Arial" panose="020B0604020202020204" pitchFamily="34" charset="0"/>
-                <a:cs typeface="Arial" panose="020B0604020202020204" pitchFamily="34" charset="0"/>
-              </a:rPr>
-              <a:t>(es)</a:t>
+                <a:latin typeface="Heveltica Bold"/>
+                <a:cs typeface="Arial" panose="020B0604020202020204" pitchFamily="34" charset="0"/>
+              </a:rPr>
+              <a:t>(</a:t>
+            </a:r>
+            <a:r>
+              <a:rPr lang="en-US" sz="6589" b="1" dirty="0" err="1" smtClean="0">
+                <a:solidFill>
+                  <a:srgbClr val="C00000"/>
+                </a:solidFill>
+                <a:latin typeface="Heveltica Bold"/>
+                <a:cs typeface="Arial" panose="020B0604020202020204" pitchFamily="34" charset="0"/>
+              </a:rPr>
+              <a:t>es</a:t>
+            </a:r>
+            <a:r>
+              <a:rPr lang="en-US" sz="6589" b="1" dirty="0" smtClean="0">
+                <a:solidFill>
+                  <a:srgbClr val="C00000"/>
+                </a:solidFill>
+                <a:latin typeface="Heveltica Bold"/>
+                <a:cs typeface="Arial" panose="020B0604020202020204" pitchFamily="34" charset="0"/>
+              </a:rPr>
+              <a:t>)</a:t>
             </a:r>
           </a:p>
           <a:p>
             <a:pPr algn="just"/>
             <a:r>
-              <a:rPr lang="en-US" sz="6589" dirty="0" err="1" smtClean="0">
-                <a:latin typeface="Arial" panose="020B0604020202020204" pitchFamily="34" charset="0"/>
-                <a:cs typeface="Arial" panose="020B0604020202020204" pitchFamily="34" charset="0"/>
-              </a:rPr>
-              <a:t>Leme</a:t>
-            </a:r>
-            <a:r>
-              <a:rPr lang="en-US" sz="6589" dirty="0" smtClean="0">
+              <a:rPr lang="en-US" sz="6000" dirty="0" smtClean="0">
+                <a:latin typeface="Heveltica Bold"/>
+                <a:cs typeface="Arial" panose="020B0604020202020204" pitchFamily="34" charset="0"/>
+              </a:rPr>
+              <a:t>LEME</a:t>
+            </a:r>
+            <a:r>
+              <a:rPr lang="en-US" sz="6000" dirty="0" smtClean="0">
                 <a:solidFill>
                   <a:schemeClr val="tx1">
                     <a:lumMod val="65000"/>
                     <a:lumOff val="35000"/>
                   </a:schemeClr>
                 </a:solidFill>
-                <a:latin typeface="Arial" panose="020B0604020202020204" pitchFamily="34" charset="0"/>
-                <a:cs typeface="Arial" panose="020B0604020202020204" pitchFamily="34" charset="0"/>
-              </a:rPr>
-              <a:t>, Maria</a:t>
-            </a:r>
-            <a:endParaRPr lang="en-US" sz="6589" dirty="0">
+                <a:latin typeface="Heveltica Bold"/>
+                <a:cs typeface="Arial" panose="020B0604020202020204" pitchFamily="34" charset="0"/>
+              </a:rPr>
+              <a:t>, Maria </a:t>
+            </a:r>
+            <a:r>
+              <a:rPr lang="en-US" sz="6000" dirty="0" err="1" smtClean="0">
+                <a:solidFill>
+                  <a:schemeClr val="tx1">
+                    <a:lumMod val="65000"/>
+                    <a:lumOff val="35000"/>
+                  </a:schemeClr>
+                </a:solidFill>
+                <a:latin typeface="Heveltica Bold"/>
+                <a:cs typeface="Arial" panose="020B0604020202020204" pitchFamily="34" charset="0"/>
+              </a:rPr>
+              <a:t>Aparecida</a:t>
+            </a:r>
+            <a:r>
+              <a:rPr lang="en-US" sz="6000" dirty="0" smtClean="0">
+                <a:solidFill>
+                  <a:schemeClr val="tx1">
+                    <a:lumMod val="65000"/>
+                    <a:lumOff val="35000"/>
+                  </a:schemeClr>
+                </a:solidFill>
+                <a:latin typeface="Heveltica Bold"/>
+                <a:cs typeface="Arial" panose="020B0604020202020204" pitchFamily="34" charset="0"/>
+              </a:rPr>
+              <a:t> da Silva</a:t>
+            </a:r>
+            <a:endParaRPr lang="en-US" sz="6000" dirty="0">
               <a:solidFill>
                 <a:schemeClr val="tx1">
                   <a:lumMod val="65000"/>
                   <a:lumOff val="35000"/>
                 </a:schemeClr>
               </a:solidFill>
-              <a:latin typeface="Arial" panose="020B0604020202020204" pitchFamily="34" charset="0"/>
+              <a:latin typeface="Heveltica Bold"/>
               <a:cs typeface="Arial" panose="020B0604020202020204" pitchFamily="34" charset="0"/>
             </a:endParaRPr>
           </a:p>
@@ -4507,7 +4656,7 @@
           <p:cNvPr id="20" name="CaixaDeTexto 19">
             <a:extLst>
               <a:ext uri="{FF2B5EF4-FFF2-40B4-BE49-F238E27FC236}">
-                <a16:creationId xmlns="" xmlns:a16="http://schemas.microsoft.com/office/drawing/2014/main" id="{8EAAFF5A-0AEF-4ED8-8BED-67CD108A3BB3}"/>
+                <a16:creationId xmlns:a16="http://schemas.microsoft.com/office/drawing/2014/main" xmlns="" id="{8EAAFF5A-0AEF-4ED8-8BED-67CD108A3BB3}"/>
               </a:ext>
             </a:extLst>
           </p:cNvPr>
@@ -4517,7 +4666,7 @@
         <p:spPr>
           <a:xfrm>
             <a:off x="1319142" y="15587119"/>
-            <a:ext cx="13370885" cy="8214300"/>
+            <a:ext cx="13370885" cy="7752635"/>
           </a:xfrm>
           <a:prstGeom prst="rect">
             <a:avLst/>
@@ -4536,7 +4685,7 @@
                 <a:solidFill>
                   <a:srgbClr val="C00000"/>
                 </a:solidFill>
-                <a:latin typeface="Arial" panose="020B0604020202020204" pitchFamily="34" charset="0"/>
+                <a:latin typeface="Heveltica Bold"/>
                 <a:cs typeface="Arial" panose="020B0604020202020204" pitchFamily="34" charset="0"/>
               </a:rPr>
               <a:t>Objetivos</a:t>
@@ -4545,60 +4694,84 @@
               <a:solidFill>
                 <a:srgbClr val="C00000"/>
               </a:solidFill>
-              <a:latin typeface="Arial" panose="020B0604020202020204" pitchFamily="34" charset="0"/>
+              <a:latin typeface="Heveltica Bold"/>
               <a:cs typeface="Arial" panose="020B0604020202020204" pitchFamily="34" charset="0"/>
             </a:endParaRPr>
           </a:p>
           <a:p>
             <a:pPr algn="just"/>
             <a:r>
-              <a:rPr lang="pt-BR" sz="6600" dirty="0" smtClean="0"/>
+              <a:rPr lang="pt-BR" sz="6000" dirty="0" smtClean="0">
+                <a:latin typeface="Heveltica Bold"/>
+              </a:rPr>
               <a:t>Tem </a:t>
             </a:r>
             <a:r>
-              <a:rPr lang="pt-BR" sz="6600" dirty="0"/>
+              <a:rPr lang="pt-BR" sz="6000" dirty="0">
+                <a:latin typeface="Heveltica Bold"/>
+              </a:rPr>
               <a:t>como principal objetivo </a:t>
             </a:r>
             <a:r>
-              <a:rPr lang="pt-BR" sz="6600" dirty="0" smtClean="0"/>
+              <a:rPr lang="pt-BR" sz="6000" dirty="0" smtClean="0">
+                <a:latin typeface="Heveltica Bold"/>
+              </a:rPr>
               <a:t>reunir </a:t>
             </a:r>
             <a:r>
-              <a:rPr lang="pt-BR" sz="6600" dirty="0"/>
+              <a:rPr lang="pt-BR" sz="6000" dirty="0">
+                <a:latin typeface="Heveltica Bold"/>
+              </a:rPr>
               <a:t>as principais informações pertinentes </a:t>
             </a:r>
             <a:r>
-              <a:rPr lang="pt-BR" sz="6600" dirty="0" smtClean="0"/>
+              <a:rPr lang="pt-BR" sz="6000" dirty="0" smtClean="0">
+                <a:latin typeface="Heveltica Bold"/>
+              </a:rPr>
               <a:t>à venda </a:t>
             </a:r>
             <a:r>
-              <a:rPr lang="pt-BR" sz="6600" dirty="0"/>
+              <a:rPr lang="pt-BR" sz="6000" dirty="0">
+                <a:latin typeface="Heveltica Bold"/>
+              </a:rPr>
               <a:t>como </a:t>
             </a:r>
             <a:r>
-              <a:rPr lang="pt-BR" sz="6600" dirty="0" smtClean="0"/>
+              <a:rPr lang="pt-BR" sz="6000" dirty="0" smtClean="0">
+                <a:latin typeface="Heveltica Bold"/>
+              </a:rPr>
               <a:t>vendedor, </a:t>
             </a:r>
             <a:r>
-              <a:rPr lang="pt-BR" sz="6600" dirty="0"/>
+              <a:rPr lang="pt-BR" sz="6000" dirty="0">
+                <a:latin typeface="Heveltica Bold"/>
+              </a:rPr>
               <a:t>valores e descontos. </a:t>
             </a:r>
             <a:r>
-              <a:rPr lang="pt-BR" sz="6600" dirty="0" smtClean="0"/>
+              <a:rPr lang="pt-BR" sz="6000" dirty="0" smtClean="0">
+                <a:latin typeface="Heveltica Bold"/>
+              </a:rPr>
               <a:t>Tornando simples a gestão dos processos.</a:t>
             </a:r>
-            <a:endParaRPr lang="pt-BR" sz="6600" dirty="0"/>
-          </a:p>
-          <a:p>
-            <a:r>
-              <a:rPr lang="pt-BR" sz="6600" dirty="0"/>
+            <a:endParaRPr lang="pt-BR" sz="6000" dirty="0">
+              <a:latin typeface="Heveltica Bold"/>
+            </a:endParaRPr>
+          </a:p>
+          <a:p>
+            <a:r>
+              <a:rPr lang="pt-BR" sz="6600" dirty="0">
+                <a:latin typeface="Heveltica Bold"/>
+              </a:rPr>
               <a:t/>
             </a:r>
             <a:br>
-              <a:rPr lang="pt-BR" sz="6600" dirty="0"/>
+              <a:rPr lang="pt-BR" sz="6600" dirty="0">
+                <a:latin typeface="Heveltica Bold"/>
+              </a:rPr>
             </a:br>
             <a:endParaRPr lang="en-US" sz="6589" dirty="0">
-              <a:latin typeface="Arial" panose="020B0604020202020204" pitchFamily="34" charset="0"/>
+              <a:latin typeface="Heveltica Bold"/>
               <a:cs typeface="Arial" panose="020B0604020202020204" pitchFamily="34" charset="0"/>
             </a:endParaRPr>
           </a:p>
@@ -4620,7 +4793,7 @@
         </p:blipFill>
         <p:spPr>
           <a:xfrm>
-            <a:off x="16792708" y="26252787"/>
+            <a:off x="16792707" y="27873171"/>
             <a:ext cx="13370885" cy="7925345"/>
           </a:xfrm>
           <a:prstGeom prst="rect">
